--- a/Simple use case cost comparison/ResearchCostMLLibraries.pptx
+++ b/Simple use case cost comparison/ResearchCostMLLibraries.pptx
@@ -10,6 +10,8 @@
     <p:sldId id="258" r:id="rId4"/>
     <p:sldId id="259" r:id="rId5"/>
     <p:sldId id="260" r:id="rId6"/>
+    <p:sldId id="261" r:id="rId7"/>
+    <p:sldId id="262" r:id="rId8"/>
   </p:sldIdLst>
   <p:sldSz cx="12192000" cy="6858000"/>
   <p:notesSz cx="6858000" cy="9144000"/>
@@ -109,6 +111,2639 @@
     </a:lvl9pPr>
   </p:defaultTextStyle>
 </p:presentation>
+</file>
+
+<file path=ppt/diagrams/colors1.xml><?xml version="1.0" encoding="utf-8"?>
+<dgm:colorsDef xmlns:dgm="http://schemas.openxmlformats.org/drawingml/2006/diagram" xmlns:a="http://schemas.openxmlformats.org/drawingml/2006/main" uniqueId="urn:microsoft.com/office/officeart/2005/8/colors/accent1_2">
+  <dgm:title val=""/>
+  <dgm:desc val=""/>
+  <dgm:catLst>
+    <dgm:cat type="accent1" pri="11200"/>
+  </dgm:catLst>
+  <dgm:styleLbl name="node0">
+    <dgm:fillClrLst meth="repeat">
+      <a:schemeClr val="accent1"/>
+    </dgm:fillClrLst>
+    <dgm:linClrLst meth="repeat">
+      <a:schemeClr val="lt1"/>
+    </dgm:linClrLst>
+    <dgm:effectClrLst/>
+    <dgm:txLinClrLst/>
+    <dgm:txFillClrLst/>
+    <dgm:txEffectClrLst/>
+  </dgm:styleLbl>
+  <dgm:styleLbl name="alignNode1">
+    <dgm:fillClrLst meth="repeat">
+      <a:schemeClr val="accent1"/>
+    </dgm:fillClrLst>
+    <dgm:linClrLst meth="repeat">
+      <a:schemeClr val="accent1"/>
+    </dgm:linClrLst>
+    <dgm:effectClrLst/>
+    <dgm:txLinClrLst/>
+    <dgm:txFillClrLst/>
+    <dgm:txEffectClrLst/>
+  </dgm:styleLbl>
+  <dgm:styleLbl name="node1">
+    <dgm:fillClrLst meth="repeat">
+      <a:schemeClr val="accent1"/>
+    </dgm:fillClrLst>
+    <dgm:linClrLst meth="repeat">
+      <a:schemeClr val="lt1"/>
+    </dgm:linClrLst>
+    <dgm:effectClrLst/>
+    <dgm:txLinClrLst/>
+    <dgm:txFillClrLst/>
+    <dgm:txEffectClrLst/>
+  </dgm:styleLbl>
+  <dgm:styleLbl name="lnNode1">
+    <dgm:fillClrLst meth="repeat">
+      <a:schemeClr val="accent1"/>
+    </dgm:fillClrLst>
+    <dgm:linClrLst meth="repeat">
+      <a:schemeClr val="lt1"/>
+    </dgm:linClrLst>
+    <dgm:effectClrLst/>
+    <dgm:txLinClrLst/>
+    <dgm:txFillClrLst/>
+    <dgm:txEffectClrLst/>
+  </dgm:styleLbl>
+  <dgm:styleLbl name="vennNode1">
+    <dgm:fillClrLst meth="repeat">
+      <a:schemeClr val="accent1">
+        <a:alpha val="50000"/>
+      </a:schemeClr>
+    </dgm:fillClrLst>
+    <dgm:linClrLst meth="repeat">
+      <a:schemeClr val="lt1"/>
+    </dgm:linClrLst>
+    <dgm:effectClrLst/>
+    <dgm:txLinClrLst/>
+    <dgm:txFillClrLst/>
+    <dgm:txEffectClrLst/>
+  </dgm:styleLbl>
+  <dgm:styleLbl name="node2">
+    <dgm:fillClrLst meth="repeat">
+      <a:schemeClr val="accent1"/>
+    </dgm:fillClrLst>
+    <dgm:linClrLst meth="repeat">
+      <a:schemeClr val="lt1"/>
+    </dgm:linClrLst>
+    <dgm:effectClrLst/>
+    <dgm:txLinClrLst/>
+    <dgm:txFillClrLst/>
+    <dgm:txEffectClrLst/>
+  </dgm:styleLbl>
+  <dgm:styleLbl name="node3">
+    <dgm:fillClrLst meth="repeat">
+      <a:schemeClr val="accent1"/>
+    </dgm:fillClrLst>
+    <dgm:linClrLst meth="repeat">
+      <a:schemeClr val="lt1"/>
+    </dgm:linClrLst>
+    <dgm:effectClrLst/>
+    <dgm:txLinClrLst/>
+    <dgm:txFillClrLst/>
+    <dgm:txEffectClrLst/>
+  </dgm:styleLbl>
+  <dgm:styleLbl name="node4">
+    <dgm:fillClrLst meth="repeat">
+      <a:schemeClr val="accent1"/>
+    </dgm:fillClrLst>
+    <dgm:linClrLst meth="repeat">
+      <a:schemeClr val="lt1"/>
+    </dgm:linClrLst>
+    <dgm:effectClrLst/>
+    <dgm:txLinClrLst/>
+    <dgm:txFillClrLst/>
+    <dgm:txEffectClrLst/>
+  </dgm:styleLbl>
+  <dgm:styleLbl name="fgImgPlace1">
+    <dgm:fillClrLst meth="repeat">
+      <a:schemeClr val="accent1">
+        <a:tint val="50000"/>
+      </a:schemeClr>
+    </dgm:fillClrLst>
+    <dgm:linClrLst meth="repeat">
+      <a:schemeClr val="lt1"/>
+    </dgm:linClrLst>
+    <dgm:effectClrLst/>
+    <dgm:txLinClrLst/>
+    <dgm:txFillClrLst meth="repeat">
+      <a:schemeClr val="lt1"/>
+    </dgm:txFillClrLst>
+    <dgm:txEffectClrLst/>
+  </dgm:styleLbl>
+  <dgm:styleLbl name="alignImgPlace1">
+    <dgm:fillClrLst meth="repeat">
+      <a:schemeClr val="accent1">
+        <a:tint val="50000"/>
+      </a:schemeClr>
+    </dgm:fillClrLst>
+    <dgm:linClrLst meth="repeat">
+      <a:schemeClr val="lt1"/>
+    </dgm:linClrLst>
+    <dgm:effectClrLst/>
+    <dgm:txLinClrLst/>
+    <dgm:txFillClrLst meth="repeat">
+      <a:schemeClr val="lt1"/>
+    </dgm:txFillClrLst>
+    <dgm:txEffectClrLst/>
+  </dgm:styleLbl>
+  <dgm:styleLbl name="bgImgPlace1">
+    <dgm:fillClrLst meth="repeat">
+      <a:schemeClr val="accent1">
+        <a:tint val="50000"/>
+      </a:schemeClr>
+    </dgm:fillClrLst>
+    <dgm:linClrLst meth="repeat">
+      <a:schemeClr val="lt1"/>
+    </dgm:linClrLst>
+    <dgm:effectClrLst/>
+    <dgm:txLinClrLst/>
+    <dgm:txFillClrLst meth="repeat">
+      <a:schemeClr val="lt1"/>
+    </dgm:txFillClrLst>
+    <dgm:txEffectClrLst/>
+  </dgm:styleLbl>
+  <dgm:styleLbl name="sibTrans2D1">
+    <dgm:fillClrLst meth="repeat">
+      <a:schemeClr val="accent1">
+        <a:tint val="60000"/>
+      </a:schemeClr>
+    </dgm:fillClrLst>
+    <dgm:linClrLst meth="repeat">
+      <a:schemeClr val="accent1">
+        <a:tint val="60000"/>
+      </a:schemeClr>
+    </dgm:linClrLst>
+    <dgm:effectClrLst/>
+    <dgm:txLinClrLst/>
+    <dgm:txFillClrLst/>
+    <dgm:txEffectClrLst/>
+  </dgm:styleLbl>
+  <dgm:styleLbl name="fgSibTrans2D1">
+    <dgm:fillClrLst meth="repeat">
+      <a:schemeClr val="accent1">
+        <a:tint val="60000"/>
+      </a:schemeClr>
+    </dgm:fillClrLst>
+    <dgm:linClrLst meth="repeat">
+      <a:schemeClr val="accent1">
+        <a:tint val="60000"/>
+      </a:schemeClr>
+    </dgm:linClrLst>
+    <dgm:effectClrLst/>
+    <dgm:txLinClrLst/>
+    <dgm:txFillClrLst/>
+    <dgm:txEffectClrLst/>
+  </dgm:styleLbl>
+  <dgm:styleLbl name="bgSibTrans2D1">
+    <dgm:fillClrLst meth="repeat">
+      <a:schemeClr val="accent1">
+        <a:tint val="60000"/>
+      </a:schemeClr>
+    </dgm:fillClrLst>
+    <dgm:linClrLst meth="repeat">
+      <a:schemeClr val="accent1">
+        <a:tint val="60000"/>
+      </a:schemeClr>
+    </dgm:linClrLst>
+    <dgm:effectClrLst/>
+    <dgm:txLinClrLst/>
+    <dgm:txFillClrLst/>
+    <dgm:txEffectClrLst/>
+  </dgm:styleLbl>
+  <dgm:styleLbl name="sibTrans1D1">
+    <dgm:fillClrLst meth="repeat">
+      <a:schemeClr val="accent1"/>
+    </dgm:fillClrLst>
+    <dgm:linClrLst meth="repeat">
+      <a:schemeClr val="accent1"/>
+    </dgm:linClrLst>
+    <dgm:effectClrLst/>
+    <dgm:txLinClrLst/>
+    <dgm:txFillClrLst meth="repeat">
+      <a:schemeClr val="tx1"/>
+    </dgm:txFillClrLst>
+    <dgm:txEffectClrLst/>
+  </dgm:styleLbl>
+  <dgm:styleLbl name="callout">
+    <dgm:fillClrLst meth="repeat">
+      <a:schemeClr val="accent1"/>
+    </dgm:fillClrLst>
+    <dgm:linClrLst meth="repeat">
+      <a:schemeClr val="accent1">
+        <a:tint val="50000"/>
+      </a:schemeClr>
+    </dgm:linClrLst>
+    <dgm:effectClrLst/>
+    <dgm:txLinClrLst/>
+    <dgm:txFillClrLst meth="repeat">
+      <a:schemeClr val="tx1"/>
+    </dgm:txFillClrLst>
+    <dgm:txEffectClrLst/>
+  </dgm:styleLbl>
+  <dgm:styleLbl name="asst0">
+    <dgm:fillClrLst meth="repeat">
+      <a:schemeClr val="accent1"/>
+    </dgm:fillClrLst>
+    <dgm:linClrLst meth="repeat">
+      <a:schemeClr val="lt1"/>
+    </dgm:linClrLst>
+    <dgm:effectClrLst/>
+    <dgm:txLinClrLst/>
+    <dgm:txFillClrLst/>
+    <dgm:txEffectClrLst/>
+  </dgm:styleLbl>
+  <dgm:styleLbl name="asst1">
+    <dgm:fillClrLst meth="repeat">
+      <a:schemeClr val="accent1"/>
+    </dgm:fillClrLst>
+    <dgm:linClrLst meth="repeat">
+      <a:schemeClr val="lt1"/>
+    </dgm:linClrLst>
+    <dgm:effectClrLst/>
+    <dgm:txLinClrLst/>
+    <dgm:txFillClrLst/>
+    <dgm:txEffectClrLst/>
+  </dgm:styleLbl>
+  <dgm:styleLbl name="asst2">
+    <dgm:fillClrLst meth="repeat">
+      <a:schemeClr val="accent1"/>
+    </dgm:fillClrLst>
+    <dgm:linClrLst meth="repeat">
+      <a:schemeClr val="lt1"/>
+    </dgm:linClrLst>
+    <dgm:effectClrLst/>
+    <dgm:txLinClrLst/>
+    <dgm:txFillClrLst/>
+    <dgm:txEffectClrLst/>
+  </dgm:styleLbl>
+  <dgm:styleLbl name="asst3">
+    <dgm:fillClrLst meth="repeat">
+      <a:schemeClr val="accent1"/>
+    </dgm:fillClrLst>
+    <dgm:linClrLst meth="repeat">
+      <a:schemeClr val="lt1"/>
+    </dgm:linClrLst>
+    <dgm:effectClrLst/>
+    <dgm:txLinClrLst/>
+    <dgm:txFillClrLst/>
+    <dgm:txEffectClrLst/>
+  </dgm:styleLbl>
+  <dgm:styleLbl name="asst4">
+    <dgm:fillClrLst meth="repeat">
+      <a:schemeClr val="accent1"/>
+    </dgm:fillClrLst>
+    <dgm:linClrLst meth="repeat">
+      <a:schemeClr val="lt1"/>
+    </dgm:linClrLst>
+    <dgm:effectClrLst/>
+    <dgm:txLinClrLst/>
+    <dgm:txFillClrLst/>
+    <dgm:txEffectClrLst/>
+  </dgm:styleLbl>
+  <dgm:styleLbl name="parChTrans2D1">
+    <dgm:fillClrLst meth="repeat">
+      <a:schemeClr val="accent1">
+        <a:tint val="60000"/>
+      </a:schemeClr>
+    </dgm:fillClrLst>
+    <dgm:linClrLst meth="repeat">
+      <a:schemeClr val="accent1">
+        <a:tint val="60000"/>
+      </a:schemeClr>
+    </dgm:linClrLst>
+    <dgm:effectClrLst/>
+    <dgm:txLinClrLst/>
+    <dgm:txFillClrLst meth="repeat">
+      <a:schemeClr val="lt1"/>
+    </dgm:txFillClrLst>
+    <dgm:txEffectClrLst/>
+  </dgm:styleLbl>
+  <dgm:styleLbl name="parChTrans2D2">
+    <dgm:fillClrLst meth="repeat">
+      <a:schemeClr val="accent1"/>
+    </dgm:fillClrLst>
+    <dgm:linClrLst meth="repeat">
+      <a:schemeClr val="accent1"/>
+    </dgm:linClrLst>
+    <dgm:effectClrLst/>
+    <dgm:txLinClrLst/>
+    <dgm:txFillClrLst meth="repeat">
+      <a:schemeClr val="lt1"/>
+    </dgm:txFillClrLst>
+    <dgm:txEffectClrLst/>
+  </dgm:styleLbl>
+  <dgm:styleLbl name="parChTrans2D3">
+    <dgm:fillClrLst meth="repeat">
+      <a:schemeClr val="accent1"/>
+    </dgm:fillClrLst>
+    <dgm:linClrLst meth="repeat">
+      <a:schemeClr val="accent1"/>
+    </dgm:linClrLst>
+    <dgm:effectClrLst/>
+    <dgm:txLinClrLst/>
+    <dgm:txFillClrLst meth="repeat">
+      <a:schemeClr val="lt1"/>
+    </dgm:txFillClrLst>
+    <dgm:txEffectClrLst/>
+  </dgm:styleLbl>
+  <dgm:styleLbl name="parChTrans2D4">
+    <dgm:fillClrLst meth="repeat">
+      <a:schemeClr val="accent1"/>
+    </dgm:fillClrLst>
+    <dgm:linClrLst meth="repeat">
+      <a:schemeClr val="accent1"/>
+    </dgm:linClrLst>
+    <dgm:effectClrLst/>
+    <dgm:txLinClrLst/>
+    <dgm:txFillClrLst meth="repeat">
+      <a:schemeClr val="lt1"/>
+    </dgm:txFillClrLst>
+    <dgm:txEffectClrLst/>
+  </dgm:styleLbl>
+  <dgm:styleLbl name="parChTrans1D1">
+    <dgm:fillClrLst meth="repeat">
+      <a:schemeClr val="accent1"/>
+    </dgm:fillClrLst>
+    <dgm:linClrLst meth="repeat">
+      <a:schemeClr val="accent1">
+        <a:shade val="60000"/>
+      </a:schemeClr>
+    </dgm:linClrLst>
+    <dgm:effectClrLst/>
+    <dgm:txLinClrLst/>
+    <dgm:txFillClrLst meth="repeat">
+      <a:schemeClr val="tx1"/>
+    </dgm:txFillClrLst>
+    <dgm:txEffectClrLst/>
+  </dgm:styleLbl>
+  <dgm:styleLbl name="parChTrans1D2">
+    <dgm:fillClrLst meth="repeat">
+      <a:schemeClr val="accent1"/>
+    </dgm:fillClrLst>
+    <dgm:linClrLst meth="repeat">
+      <a:schemeClr val="accent1">
+        <a:shade val="60000"/>
+      </a:schemeClr>
+    </dgm:linClrLst>
+    <dgm:effectClrLst/>
+    <dgm:txLinClrLst/>
+    <dgm:txFillClrLst meth="repeat">
+      <a:schemeClr val="tx1"/>
+    </dgm:txFillClrLst>
+    <dgm:txEffectClrLst/>
+  </dgm:styleLbl>
+  <dgm:styleLbl name="parChTrans1D3">
+    <dgm:fillClrLst meth="repeat">
+      <a:schemeClr val="accent1"/>
+    </dgm:fillClrLst>
+    <dgm:linClrLst meth="repeat">
+      <a:schemeClr val="accent1">
+        <a:shade val="80000"/>
+      </a:schemeClr>
+    </dgm:linClrLst>
+    <dgm:effectClrLst/>
+    <dgm:txLinClrLst/>
+    <dgm:txFillClrLst meth="repeat">
+      <a:schemeClr val="tx1"/>
+    </dgm:txFillClrLst>
+    <dgm:txEffectClrLst/>
+  </dgm:styleLbl>
+  <dgm:styleLbl name="parChTrans1D4">
+    <dgm:fillClrLst meth="repeat">
+      <a:schemeClr val="accent1"/>
+    </dgm:fillClrLst>
+    <dgm:linClrLst meth="repeat">
+      <a:schemeClr val="accent1">
+        <a:shade val="80000"/>
+      </a:schemeClr>
+    </dgm:linClrLst>
+    <dgm:effectClrLst/>
+    <dgm:txLinClrLst/>
+    <dgm:txFillClrLst meth="repeat">
+      <a:schemeClr val="tx1"/>
+    </dgm:txFillClrLst>
+    <dgm:txEffectClrLst/>
+  </dgm:styleLbl>
+  <dgm:styleLbl name="fgAcc1">
+    <dgm:fillClrLst meth="repeat">
+      <a:schemeClr val="lt1">
+        <a:alpha val="90000"/>
+      </a:schemeClr>
+    </dgm:fillClrLst>
+    <dgm:linClrLst meth="repeat">
+      <a:schemeClr val="accent1"/>
+    </dgm:linClrLst>
+    <dgm:effectClrLst/>
+    <dgm:txLinClrLst/>
+    <dgm:txFillClrLst meth="repeat">
+      <a:schemeClr val="dk1"/>
+    </dgm:txFillClrLst>
+    <dgm:txEffectClrLst/>
+  </dgm:styleLbl>
+  <dgm:styleLbl name="conFgAcc1">
+    <dgm:fillClrLst meth="repeat">
+      <a:schemeClr val="lt1">
+        <a:alpha val="90000"/>
+      </a:schemeClr>
+    </dgm:fillClrLst>
+    <dgm:linClrLst meth="repeat">
+      <a:schemeClr val="accent1"/>
+    </dgm:linClrLst>
+    <dgm:effectClrLst/>
+    <dgm:txLinClrLst/>
+    <dgm:txFillClrLst meth="repeat">
+      <a:schemeClr val="dk1"/>
+    </dgm:txFillClrLst>
+    <dgm:txEffectClrLst/>
+  </dgm:styleLbl>
+  <dgm:styleLbl name="alignAcc1">
+    <dgm:fillClrLst meth="repeat">
+      <a:schemeClr val="lt1">
+        <a:alpha val="90000"/>
+      </a:schemeClr>
+    </dgm:fillClrLst>
+    <dgm:linClrLst meth="repeat">
+      <a:schemeClr val="accent1"/>
+    </dgm:linClrLst>
+    <dgm:effectClrLst/>
+    <dgm:txLinClrLst/>
+    <dgm:txFillClrLst meth="repeat">
+      <a:schemeClr val="dk1"/>
+    </dgm:txFillClrLst>
+    <dgm:txEffectClrLst/>
+  </dgm:styleLbl>
+  <dgm:styleLbl name="trAlignAcc1">
+    <dgm:fillClrLst meth="repeat">
+      <a:schemeClr val="lt1">
+        <a:alpha val="40000"/>
+      </a:schemeClr>
+    </dgm:fillClrLst>
+    <dgm:linClrLst meth="repeat">
+      <a:schemeClr val="accent1"/>
+    </dgm:linClrLst>
+    <dgm:effectClrLst/>
+    <dgm:txLinClrLst/>
+    <dgm:txFillClrLst meth="repeat">
+      <a:schemeClr val="dk1"/>
+    </dgm:txFillClrLst>
+    <dgm:txEffectClrLst/>
+  </dgm:styleLbl>
+  <dgm:styleLbl name="bgAcc1">
+    <dgm:fillClrLst meth="repeat">
+      <a:schemeClr val="lt1">
+        <a:alpha val="90000"/>
+      </a:schemeClr>
+    </dgm:fillClrLst>
+    <dgm:linClrLst meth="repeat">
+      <a:schemeClr val="accent1"/>
+    </dgm:linClrLst>
+    <dgm:effectClrLst/>
+    <dgm:txLinClrLst/>
+    <dgm:txFillClrLst meth="repeat">
+      <a:schemeClr val="dk1"/>
+    </dgm:txFillClrLst>
+    <dgm:txEffectClrLst/>
+  </dgm:styleLbl>
+  <dgm:styleLbl name="solidFgAcc1">
+    <dgm:fillClrLst meth="repeat">
+      <a:schemeClr val="lt1"/>
+    </dgm:fillClrLst>
+    <dgm:linClrLst meth="repeat">
+      <a:schemeClr val="accent1"/>
+    </dgm:linClrLst>
+    <dgm:effectClrLst/>
+    <dgm:txLinClrLst/>
+    <dgm:txFillClrLst meth="repeat">
+      <a:schemeClr val="dk1"/>
+    </dgm:txFillClrLst>
+    <dgm:txEffectClrLst/>
+  </dgm:styleLbl>
+  <dgm:styleLbl name="solidAlignAcc1">
+    <dgm:fillClrLst meth="repeat">
+      <a:schemeClr val="lt1"/>
+    </dgm:fillClrLst>
+    <dgm:linClrLst meth="repeat">
+      <a:schemeClr val="accent1"/>
+    </dgm:linClrLst>
+    <dgm:effectClrLst/>
+    <dgm:txLinClrLst/>
+    <dgm:txFillClrLst meth="repeat">
+      <a:schemeClr val="dk1"/>
+    </dgm:txFillClrLst>
+    <dgm:txEffectClrLst/>
+  </dgm:styleLbl>
+  <dgm:styleLbl name="solidBgAcc1">
+    <dgm:fillClrLst meth="repeat">
+      <a:schemeClr val="lt1"/>
+    </dgm:fillClrLst>
+    <dgm:linClrLst meth="repeat">
+      <a:schemeClr val="accent1"/>
+    </dgm:linClrLst>
+    <dgm:effectClrLst/>
+    <dgm:txLinClrLst/>
+    <dgm:txFillClrLst meth="repeat">
+      <a:schemeClr val="dk1"/>
+    </dgm:txFillClrLst>
+    <dgm:txEffectClrLst/>
+  </dgm:styleLbl>
+  <dgm:styleLbl name="fgAccFollowNode1">
+    <dgm:fillClrLst meth="repeat">
+      <a:schemeClr val="accent1">
+        <a:alpha val="90000"/>
+        <a:tint val="40000"/>
+      </a:schemeClr>
+    </dgm:fillClrLst>
+    <dgm:linClrLst meth="repeat">
+      <a:schemeClr val="accent1">
+        <a:alpha val="90000"/>
+        <a:tint val="40000"/>
+      </a:schemeClr>
+    </dgm:linClrLst>
+    <dgm:effectClrLst/>
+    <dgm:txLinClrLst/>
+    <dgm:txFillClrLst meth="repeat">
+      <a:schemeClr val="dk1"/>
+    </dgm:txFillClrLst>
+    <dgm:txEffectClrLst/>
+  </dgm:styleLbl>
+  <dgm:styleLbl name="alignAccFollowNode1">
+    <dgm:fillClrLst meth="repeat">
+      <a:schemeClr val="accent1">
+        <a:alpha val="90000"/>
+        <a:tint val="40000"/>
+      </a:schemeClr>
+    </dgm:fillClrLst>
+    <dgm:linClrLst meth="repeat">
+      <a:schemeClr val="accent1">
+        <a:alpha val="90000"/>
+        <a:tint val="40000"/>
+      </a:schemeClr>
+    </dgm:linClrLst>
+    <dgm:effectClrLst/>
+    <dgm:txLinClrLst/>
+    <dgm:txFillClrLst meth="repeat">
+      <a:schemeClr val="dk1"/>
+    </dgm:txFillClrLst>
+    <dgm:txEffectClrLst/>
+  </dgm:styleLbl>
+  <dgm:styleLbl name="bgAccFollowNode1">
+    <dgm:fillClrLst meth="repeat">
+      <a:schemeClr val="accent1">
+        <a:alpha val="90000"/>
+        <a:tint val="40000"/>
+      </a:schemeClr>
+    </dgm:fillClrLst>
+    <dgm:linClrLst meth="repeat">
+      <a:schemeClr val="accent1">
+        <a:alpha val="90000"/>
+        <a:tint val="40000"/>
+      </a:schemeClr>
+    </dgm:linClrLst>
+    <dgm:effectClrLst/>
+    <dgm:txLinClrLst/>
+    <dgm:txFillClrLst meth="repeat">
+      <a:schemeClr val="dk1"/>
+    </dgm:txFillClrLst>
+    <dgm:txEffectClrLst/>
+  </dgm:styleLbl>
+  <dgm:styleLbl name="fgAcc0">
+    <dgm:fillClrLst meth="repeat">
+      <a:schemeClr val="lt1">
+        <a:alpha val="90000"/>
+      </a:schemeClr>
+    </dgm:fillClrLst>
+    <dgm:linClrLst meth="repeat">
+      <a:schemeClr val="accent1"/>
+    </dgm:linClrLst>
+    <dgm:effectClrLst/>
+    <dgm:txLinClrLst/>
+    <dgm:txFillClrLst meth="repeat">
+      <a:schemeClr val="dk1"/>
+    </dgm:txFillClrLst>
+    <dgm:txEffectClrLst/>
+  </dgm:styleLbl>
+  <dgm:styleLbl name="fgAcc2">
+    <dgm:fillClrLst meth="repeat">
+      <a:schemeClr val="lt1">
+        <a:alpha val="90000"/>
+      </a:schemeClr>
+    </dgm:fillClrLst>
+    <dgm:linClrLst meth="repeat">
+      <a:schemeClr val="accent1"/>
+    </dgm:linClrLst>
+    <dgm:effectClrLst/>
+    <dgm:txLinClrLst/>
+    <dgm:txFillClrLst meth="repeat">
+      <a:schemeClr val="dk1"/>
+    </dgm:txFillClrLst>
+    <dgm:txEffectClrLst/>
+  </dgm:styleLbl>
+  <dgm:styleLbl name="fgAcc3">
+    <dgm:fillClrLst meth="repeat">
+      <a:schemeClr val="lt1">
+        <a:alpha val="90000"/>
+      </a:schemeClr>
+    </dgm:fillClrLst>
+    <dgm:linClrLst meth="repeat">
+      <a:schemeClr val="accent1"/>
+    </dgm:linClrLst>
+    <dgm:effectClrLst/>
+    <dgm:txLinClrLst/>
+    <dgm:txFillClrLst meth="repeat">
+      <a:schemeClr val="dk1"/>
+    </dgm:txFillClrLst>
+    <dgm:txEffectClrLst/>
+  </dgm:styleLbl>
+  <dgm:styleLbl name="fgAcc4">
+    <dgm:fillClrLst meth="repeat">
+      <a:schemeClr val="lt1">
+        <a:alpha val="90000"/>
+      </a:schemeClr>
+    </dgm:fillClrLst>
+    <dgm:linClrLst meth="repeat">
+      <a:schemeClr val="accent1"/>
+    </dgm:linClrLst>
+    <dgm:effectClrLst/>
+    <dgm:txLinClrLst/>
+    <dgm:txFillClrLst meth="repeat">
+      <a:schemeClr val="dk1"/>
+    </dgm:txFillClrLst>
+    <dgm:txEffectClrLst/>
+  </dgm:styleLbl>
+  <dgm:styleLbl name="bgShp">
+    <dgm:fillClrLst meth="repeat">
+      <a:schemeClr val="accent1">
+        <a:tint val="40000"/>
+      </a:schemeClr>
+    </dgm:fillClrLst>
+    <dgm:linClrLst meth="repeat">
+      <a:schemeClr val="accent1"/>
+    </dgm:linClrLst>
+    <dgm:effectClrLst/>
+    <dgm:txLinClrLst/>
+    <dgm:txFillClrLst meth="repeat">
+      <a:schemeClr val="dk1"/>
+    </dgm:txFillClrLst>
+    <dgm:txEffectClrLst/>
+  </dgm:styleLbl>
+  <dgm:styleLbl name="dkBgShp">
+    <dgm:fillClrLst meth="repeat">
+      <a:schemeClr val="accent1">
+        <a:shade val="80000"/>
+      </a:schemeClr>
+    </dgm:fillClrLst>
+    <dgm:linClrLst meth="repeat">
+      <a:schemeClr val="accent1"/>
+    </dgm:linClrLst>
+    <dgm:effectClrLst/>
+    <dgm:txLinClrLst/>
+    <dgm:txFillClrLst meth="repeat">
+      <a:schemeClr val="lt1"/>
+    </dgm:txFillClrLst>
+    <dgm:txEffectClrLst/>
+  </dgm:styleLbl>
+  <dgm:styleLbl name="trBgShp">
+    <dgm:fillClrLst meth="repeat">
+      <a:schemeClr val="accent1">
+        <a:tint val="50000"/>
+        <a:alpha val="40000"/>
+      </a:schemeClr>
+    </dgm:fillClrLst>
+    <dgm:linClrLst meth="repeat">
+      <a:schemeClr val="accent1"/>
+    </dgm:linClrLst>
+    <dgm:effectClrLst/>
+    <dgm:txLinClrLst/>
+    <dgm:txFillClrLst meth="repeat">
+      <a:schemeClr val="lt1"/>
+    </dgm:txFillClrLst>
+    <dgm:txEffectClrLst/>
+  </dgm:styleLbl>
+  <dgm:styleLbl name="fgShp">
+    <dgm:fillClrLst meth="repeat">
+      <a:schemeClr val="accent1">
+        <a:tint val="60000"/>
+      </a:schemeClr>
+    </dgm:fillClrLst>
+    <dgm:linClrLst meth="repeat">
+      <a:schemeClr val="lt1"/>
+    </dgm:linClrLst>
+    <dgm:effectClrLst/>
+    <dgm:txLinClrLst/>
+    <dgm:txFillClrLst meth="repeat">
+      <a:schemeClr val="dk1"/>
+    </dgm:txFillClrLst>
+    <dgm:txEffectClrLst/>
+  </dgm:styleLbl>
+  <dgm:styleLbl name="revTx">
+    <dgm:fillClrLst meth="repeat">
+      <a:schemeClr val="lt1">
+        <a:alpha val="0"/>
+      </a:schemeClr>
+    </dgm:fillClrLst>
+    <dgm:linClrLst meth="repeat">
+      <a:schemeClr val="dk1">
+        <a:alpha val="0"/>
+      </a:schemeClr>
+    </dgm:linClrLst>
+    <dgm:effectClrLst/>
+    <dgm:txLinClrLst/>
+    <dgm:txFillClrLst meth="repeat">
+      <a:schemeClr val="tx1"/>
+    </dgm:txFillClrLst>
+    <dgm:txEffectClrLst/>
+  </dgm:styleLbl>
+</dgm:colorsDef>
+</file>
+
+<file path=ppt/diagrams/data1.xml><?xml version="1.0" encoding="utf-8"?>
+<dgm:dataModel xmlns:dgm="http://schemas.openxmlformats.org/drawingml/2006/diagram" xmlns:a="http://schemas.openxmlformats.org/drawingml/2006/main">
+  <dgm:ptLst>
+    <dgm:pt modelId="{D37D3470-7BBE-4AE1-8579-06C8C61D614B}" type="doc">
+      <dgm:prSet loTypeId="urn:microsoft.com/office/officeart/2008/layout/LinedList" loCatId="list" qsTypeId="urn:microsoft.com/office/officeart/2005/8/quickstyle/simple1" qsCatId="simple" csTypeId="urn:microsoft.com/office/officeart/2005/8/colors/accent1_2" csCatId="accent1"/>
+      <dgm:spPr/>
+      <dgm:t>
+        <a:bodyPr/>
+        <a:lstStyle/>
+        <a:p>
+          <a:endParaRPr lang="en-US"/>
+        </a:p>
+      </dgm:t>
+    </dgm:pt>
+    <dgm:pt modelId="{BBCD873A-D8DC-419B-B935-12FDC00A6B94}">
+      <dgm:prSet/>
+      <dgm:spPr/>
+      <dgm:t>
+        <a:bodyPr/>
+        <a:lstStyle/>
+        <a:p>
+          <a:r>
+            <a:rPr lang="en-US"/>
+            <a:t>~4320 Databricks units per month.</a:t>
+          </a:r>
+        </a:p>
+      </dgm:t>
+    </dgm:pt>
+    <dgm:pt modelId="{68377DD1-2E66-48E7-A769-921EFE5368E7}" type="parTrans" cxnId="{1F505478-B9B2-4D32-B907-32CBCE2AD61A}">
+      <dgm:prSet/>
+      <dgm:spPr/>
+      <dgm:t>
+        <a:bodyPr/>
+        <a:lstStyle/>
+        <a:p>
+          <a:endParaRPr lang="en-US"/>
+        </a:p>
+      </dgm:t>
+    </dgm:pt>
+    <dgm:pt modelId="{87DFC01D-F807-439C-90E0-BA1F279C6260}" type="sibTrans" cxnId="{1F505478-B9B2-4D32-B907-32CBCE2AD61A}">
+      <dgm:prSet/>
+      <dgm:spPr/>
+      <dgm:t>
+        <a:bodyPr/>
+        <a:lstStyle/>
+        <a:p>
+          <a:endParaRPr lang="en-US"/>
+        </a:p>
+      </dgm:t>
+    </dgm:pt>
+    <dgm:pt modelId="{C2A3ABA9-6246-4CE2-817F-3C961E9061E1}">
+      <dgm:prSet/>
+      <dgm:spPr/>
+      <dgm:t>
+        <a:bodyPr/>
+        <a:lstStyle/>
+        <a:p>
+          <a:r>
+            <a:rPr lang="en-US"/>
+            <a:t>$2376 total price per month.</a:t>
+          </a:r>
+        </a:p>
+      </dgm:t>
+    </dgm:pt>
+    <dgm:pt modelId="{FEEC2FF8-128D-42FF-AFA8-212D944AA2C0}" type="parTrans" cxnId="{2364D1DC-E753-4D8F-9C84-EDA8DE98719C}">
+      <dgm:prSet/>
+      <dgm:spPr/>
+      <dgm:t>
+        <a:bodyPr/>
+        <a:lstStyle/>
+        <a:p>
+          <a:endParaRPr lang="en-US"/>
+        </a:p>
+      </dgm:t>
+    </dgm:pt>
+    <dgm:pt modelId="{1C78BE17-F615-42CB-B6B2-1B46BDB25F57}" type="sibTrans" cxnId="{2364D1DC-E753-4D8F-9C84-EDA8DE98719C}">
+      <dgm:prSet/>
+      <dgm:spPr/>
+      <dgm:t>
+        <a:bodyPr/>
+        <a:lstStyle/>
+        <a:p>
+          <a:endParaRPr lang="en-US"/>
+        </a:p>
+      </dgm:t>
+    </dgm:pt>
+    <dgm:pt modelId="{C350B63E-6930-42AC-93C1-36F964AA5302}" type="pres">
+      <dgm:prSet presAssocID="{D37D3470-7BBE-4AE1-8579-06C8C61D614B}" presName="vert0" presStyleCnt="0">
+        <dgm:presLayoutVars>
+          <dgm:dir/>
+          <dgm:animOne val="branch"/>
+          <dgm:animLvl val="lvl"/>
+        </dgm:presLayoutVars>
+      </dgm:prSet>
+      <dgm:spPr/>
+    </dgm:pt>
+    <dgm:pt modelId="{3794B24C-E25A-43DE-BB8E-873037F6D81E}" type="pres">
+      <dgm:prSet presAssocID="{BBCD873A-D8DC-419B-B935-12FDC00A6B94}" presName="thickLine" presStyleLbl="alignNode1" presStyleIdx="0" presStyleCnt="2"/>
+      <dgm:spPr/>
+    </dgm:pt>
+    <dgm:pt modelId="{8A9D548B-7A25-4B51-BB7E-DB43E2CB721C}" type="pres">
+      <dgm:prSet presAssocID="{BBCD873A-D8DC-419B-B935-12FDC00A6B94}" presName="horz1" presStyleCnt="0"/>
+      <dgm:spPr/>
+    </dgm:pt>
+    <dgm:pt modelId="{AF3C4A27-5783-4859-9D99-70AAF8B5A0DB}" type="pres">
+      <dgm:prSet presAssocID="{BBCD873A-D8DC-419B-B935-12FDC00A6B94}" presName="tx1" presStyleLbl="revTx" presStyleIdx="0" presStyleCnt="2"/>
+      <dgm:spPr/>
+    </dgm:pt>
+    <dgm:pt modelId="{51A99D74-89BB-4847-BB00-5072633ED5AF}" type="pres">
+      <dgm:prSet presAssocID="{BBCD873A-D8DC-419B-B935-12FDC00A6B94}" presName="vert1" presStyleCnt="0"/>
+      <dgm:spPr/>
+    </dgm:pt>
+    <dgm:pt modelId="{E0EF3D53-CFA9-446F-B345-8BEB97CCA689}" type="pres">
+      <dgm:prSet presAssocID="{C2A3ABA9-6246-4CE2-817F-3C961E9061E1}" presName="thickLine" presStyleLbl="alignNode1" presStyleIdx="1" presStyleCnt="2"/>
+      <dgm:spPr/>
+    </dgm:pt>
+    <dgm:pt modelId="{DBA04730-1607-4EDA-81E1-93A62B4DA213}" type="pres">
+      <dgm:prSet presAssocID="{C2A3ABA9-6246-4CE2-817F-3C961E9061E1}" presName="horz1" presStyleCnt="0"/>
+      <dgm:spPr/>
+    </dgm:pt>
+    <dgm:pt modelId="{324CC586-8C29-4340-8A1A-ABCA510ADD6E}" type="pres">
+      <dgm:prSet presAssocID="{C2A3ABA9-6246-4CE2-817F-3C961E9061E1}" presName="tx1" presStyleLbl="revTx" presStyleIdx="1" presStyleCnt="2"/>
+      <dgm:spPr/>
+    </dgm:pt>
+    <dgm:pt modelId="{1111EC1F-49C2-43B1-800A-79BA9997C104}" type="pres">
+      <dgm:prSet presAssocID="{C2A3ABA9-6246-4CE2-817F-3C961E9061E1}" presName="vert1" presStyleCnt="0"/>
+      <dgm:spPr/>
+    </dgm:pt>
+  </dgm:ptLst>
+  <dgm:cxnLst>
+    <dgm:cxn modelId="{1F505478-B9B2-4D32-B907-32CBCE2AD61A}" srcId="{D37D3470-7BBE-4AE1-8579-06C8C61D614B}" destId="{BBCD873A-D8DC-419B-B935-12FDC00A6B94}" srcOrd="0" destOrd="0" parTransId="{68377DD1-2E66-48E7-A769-921EFE5368E7}" sibTransId="{87DFC01D-F807-439C-90E0-BA1F279C6260}"/>
+    <dgm:cxn modelId="{2364D1DC-E753-4D8F-9C84-EDA8DE98719C}" srcId="{D37D3470-7BBE-4AE1-8579-06C8C61D614B}" destId="{C2A3ABA9-6246-4CE2-817F-3C961E9061E1}" srcOrd="1" destOrd="0" parTransId="{FEEC2FF8-128D-42FF-AFA8-212D944AA2C0}" sibTransId="{1C78BE17-F615-42CB-B6B2-1B46BDB25F57}"/>
+    <dgm:cxn modelId="{0D1592E4-4148-4317-BDDC-030F2148955D}" type="presOf" srcId="{C2A3ABA9-6246-4CE2-817F-3C961E9061E1}" destId="{324CC586-8C29-4340-8A1A-ABCA510ADD6E}" srcOrd="0" destOrd="0" presId="urn:microsoft.com/office/officeart/2008/layout/LinedList"/>
+    <dgm:cxn modelId="{6B25AEEC-E409-40C9-9C21-B827F46B5375}" type="presOf" srcId="{D37D3470-7BBE-4AE1-8579-06C8C61D614B}" destId="{C350B63E-6930-42AC-93C1-36F964AA5302}" srcOrd="0" destOrd="0" presId="urn:microsoft.com/office/officeart/2008/layout/LinedList"/>
+    <dgm:cxn modelId="{790D98ED-E35D-4877-9016-FB1F36F9978E}" type="presOf" srcId="{BBCD873A-D8DC-419B-B935-12FDC00A6B94}" destId="{AF3C4A27-5783-4859-9D99-70AAF8B5A0DB}" srcOrd="0" destOrd="0" presId="urn:microsoft.com/office/officeart/2008/layout/LinedList"/>
+    <dgm:cxn modelId="{11F4B80A-E7E6-42DA-BA3E-9D6A324B7F48}" type="presParOf" srcId="{C350B63E-6930-42AC-93C1-36F964AA5302}" destId="{3794B24C-E25A-43DE-BB8E-873037F6D81E}" srcOrd="0" destOrd="0" presId="urn:microsoft.com/office/officeart/2008/layout/LinedList"/>
+    <dgm:cxn modelId="{33D56F4D-FAC0-4D93-8372-B3632BA4D133}" type="presParOf" srcId="{C350B63E-6930-42AC-93C1-36F964AA5302}" destId="{8A9D548B-7A25-4B51-BB7E-DB43E2CB721C}" srcOrd="1" destOrd="0" presId="urn:microsoft.com/office/officeart/2008/layout/LinedList"/>
+    <dgm:cxn modelId="{38B09C1B-1889-47E6-8685-71ABAD4C0A2E}" type="presParOf" srcId="{8A9D548B-7A25-4B51-BB7E-DB43E2CB721C}" destId="{AF3C4A27-5783-4859-9D99-70AAF8B5A0DB}" srcOrd="0" destOrd="0" presId="urn:microsoft.com/office/officeart/2008/layout/LinedList"/>
+    <dgm:cxn modelId="{46E86D9B-222F-4BF8-BDAB-A67C9258B17A}" type="presParOf" srcId="{8A9D548B-7A25-4B51-BB7E-DB43E2CB721C}" destId="{51A99D74-89BB-4847-BB00-5072633ED5AF}" srcOrd="1" destOrd="0" presId="urn:microsoft.com/office/officeart/2008/layout/LinedList"/>
+    <dgm:cxn modelId="{8B07EDB7-E255-46FC-8593-4EBCBC7FF1FD}" type="presParOf" srcId="{C350B63E-6930-42AC-93C1-36F964AA5302}" destId="{E0EF3D53-CFA9-446F-B345-8BEB97CCA689}" srcOrd="2" destOrd="0" presId="urn:microsoft.com/office/officeart/2008/layout/LinedList"/>
+    <dgm:cxn modelId="{48E0CD6C-F632-43E3-BAD6-B72467CE26AB}" type="presParOf" srcId="{C350B63E-6930-42AC-93C1-36F964AA5302}" destId="{DBA04730-1607-4EDA-81E1-93A62B4DA213}" srcOrd="3" destOrd="0" presId="urn:microsoft.com/office/officeart/2008/layout/LinedList"/>
+    <dgm:cxn modelId="{7BD8853E-81BA-41B9-9329-6AC972CD8F13}" type="presParOf" srcId="{DBA04730-1607-4EDA-81E1-93A62B4DA213}" destId="{324CC586-8C29-4340-8A1A-ABCA510ADD6E}" srcOrd="0" destOrd="0" presId="urn:microsoft.com/office/officeart/2008/layout/LinedList"/>
+    <dgm:cxn modelId="{DD76F1F3-609B-496E-8488-8A781AF277BF}" type="presParOf" srcId="{DBA04730-1607-4EDA-81E1-93A62B4DA213}" destId="{1111EC1F-49C2-43B1-800A-79BA9997C104}" srcOrd="1" destOrd="0" presId="urn:microsoft.com/office/officeart/2008/layout/LinedList"/>
+  </dgm:cxnLst>
+  <dgm:bg/>
+  <dgm:whole/>
+  <dgm:extLst>
+    <a:ext uri="http://schemas.microsoft.com/office/drawing/2008/diagram">
+      <dsp:dataModelExt xmlns:dsp="http://schemas.microsoft.com/office/drawing/2008/diagram" relId="rId6" minVer="http://schemas.openxmlformats.org/drawingml/2006/diagram"/>
+    </a:ext>
+  </dgm:extLst>
+</dgm:dataModel>
+</file>
+
+<file path=ppt/diagrams/drawing1.xml><?xml version="1.0" encoding="utf-8"?>
+<dsp:drawing xmlns:dgm="http://schemas.openxmlformats.org/drawingml/2006/diagram" xmlns:dsp="http://schemas.microsoft.com/office/drawing/2008/diagram" xmlns:a="http://schemas.openxmlformats.org/drawingml/2006/main">
+  <dsp:spTree>
+    <dsp:nvGrpSpPr>
+      <dsp:cNvPr id="0" name=""/>
+      <dsp:cNvGrpSpPr/>
+    </dsp:nvGrpSpPr>
+    <dsp:grpSpPr/>
+    <dsp:sp modelId="{3794B24C-E25A-43DE-BB8E-873037F6D81E}">
+      <dsp:nvSpPr>
+        <dsp:cNvPr id="0" name=""/>
+        <dsp:cNvSpPr/>
+      </dsp:nvSpPr>
+      <dsp:spPr>
+        <a:xfrm>
+          <a:off x="0" y="0"/>
+          <a:ext cx="5515583" cy="0"/>
+        </a:xfrm>
+        <a:prstGeom prst="line">
+          <a:avLst/>
+        </a:prstGeom>
+        <a:solidFill>
+          <a:schemeClr val="accent1">
+            <a:hueOff val="0"/>
+            <a:satOff val="0"/>
+            <a:lumOff val="0"/>
+            <a:alphaOff val="0"/>
+          </a:schemeClr>
+        </a:solidFill>
+        <a:ln w="12700" cap="flat" cmpd="sng" algn="ctr">
+          <a:solidFill>
+            <a:schemeClr val="accent1">
+              <a:hueOff val="0"/>
+              <a:satOff val="0"/>
+              <a:lumOff val="0"/>
+              <a:alphaOff val="0"/>
+            </a:schemeClr>
+          </a:solidFill>
+          <a:prstDash val="solid"/>
+          <a:miter lim="800000"/>
+        </a:ln>
+        <a:effectLst/>
+      </dsp:spPr>
+      <dsp:style>
+        <a:lnRef idx="2">
+          <a:scrgbClr r="0" g="0" b="0"/>
+        </a:lnRef>
+        <a:fillRef idx="1">
+          <a:scrgbClr r="0" g="0" b="0"/>
+        </a:fillRef>
+        <a:effectRef idx="0">
+          <a:scrgbClr r="0" g="0" b="0"/>
+        </a:effectRef>
+        <a:fontRef idx="minor">
+          <a:schemeClr val="lt1"/>
+        </a:fontRef>
+      </dsp:style>
+    </dsp:sp>
+    <dsp:sp modelId="{AF3C4A27-5783-4859-9D99-70AAF8B5A0DB}">
+      <dsp:nvSpPr>
+        <dsp:cNvPr id="0" name=""/>
+        <dsp:cNvSpPr/>
+      </dsp:nvSpPr>
+      <dsp:spPr>
+        <a:xfrm>
+          <a:off x="0" y="0"/>
+          <a:ext cx="5515583" cy="2319171"/>
+        </a:xfrm>
+        <a:prstGeom prst="rect">
+          <a:avLst/>
+        </a:prstGeom>
+        <a:noFill/>
+        <a:ln>
+          <a:noFill/>
+        </a:ln>
+        <a:effectLst/>
+      </dsp:spPr>
+      <dsp:style>
+        <a:lnRef idx="0">
+          <a:scrgbClr r="0" g="0" b="0"/>
+        </a:lnRef>
+        <a:fillRef idx="0">
+          <a:scrgbClr r="0" g="0" b="0"/>
+        </a:fillRef>
+        <a:effectRef idx="0">
+          <a:scrgbClr r="0" g="0" b="0"/>
+        </a:effectRef>
+        <a:fontRef idx="minor"/>
+      </dsp:style>
+      <dsp:txBody>
+        <a:bodyPr spcFirstLastPara="0" vert="horz" wrap="square" lIns="190500" tIns="190500" rIns="190500" bIns="190500" numCol="1" spcCol="1270" anchor="t" anchorCtr="0">
+          <a:noAutofit/>
+        </a:bodyPr>
+        <a:lstStyle/>
+        <a:p>
+          <a:pPr marL="0" lvl="0" indent="0" algn="l" defTabSz="2222500">
+            <a:lnSpc>
+              <a:spcPct val="90000"/>
+            </a:lnSpc>
+            <a:spcBef>
+              <a:spcPct val="0"/>
+            </a:spcBef>
+            <a:spcAft>
+              <a:spcPct val="35000"/>
+            </a:spcAft>
+            <a:buNone/>
+          </a:pPr>
+          <a:r>
+            <a:rPr lang="en-US" sz="5000" kern="1200"/>
+            <a:t>~4320 Databricks units per month.</a:t>
+          </a:r>
+        </a:p>
+      </dsp:txBody>
+      <dsp:txXfrm>
+        <a:off x="0" y="0"/>
+        <a:ext cx="5515583" cy="2319171"/>
+      </dsp:txXfrm>
+    </dsp:sp>
+    <dsp:sp modelId="{E0EF3D53-CFA9-446F-B345-8BEB97CCA689}">
+      <dsp:nvSpPr>
+        <dsp:cNvPr id="0" name=""/>
+        <dsp:cNvSpPr/>
+      </dsp:nvSpPr>
+      <dsp:spPr>
+        <a:xfrm>
+          <a:off x="0" y="2319171"/>
+          <a:ext cx="5515583" cy="0"/>
+        </a:xfrm>
+        <a:prstGeom prst="line">
+          <a:avLst/>
+        </a:prstGeom>
+        <a:solidFill>
+          <a:schemeClr val="accent1">
+            <a:hueOff val="0"/>
+            <a:satOff val="0"/>
+            <a:lumOff val="0"/>
+            <a:alphaOff val="0"/>
+          </a:schemeClr>
+        </a:solidFill>
+        <a:ln w="12700" cap="flat" cmpd="sng" algn="ctr">
+          <a:solidFill>
+            <a:schemeClr val="accent1">
+              <a:hueOff val="0"/>
+              <a:satOff val="0"/>
+              <a:lumOff val="0"/>
+              <a:alphaOff val="0"/>
+            </a:schemeClr>
+          </a:solidFill>
+          <a:prstDash val="solid"/>
+          <a:miter lim="800000"/>
+        </a:ln>
+        <a:effectLst/>
+      </dsp:spPr>
+      <dsp:style>
+        <a:lnRef idx="2">
+          <a:scrgbClr r="0" g="0" b="0"/>
+        </a:lnRef>
+        <a:fillRef idx="1">
+          <a:scrgbClr r="0" g="0" b="0"/>
+        </a:fillRef>
+        <a:effectRef idx="0">
+          <a:scrgbClr r="0" g="0" b="0"/>
+        </a:effectRef>
+        <a:fontRef idx="minor">
+          <a:schemeClr val="lt1"/>
+        </a:fontRef>
+      </dsp:style>
+    </dsp:sp>
+    <dsp:sp modelId="{324CC586-8C29-4340-8A1A-ABCA510ADD6E}">
+      <dsp:nvSpPr>
+        <dsp:cNvPr id="0" name=""/>
+        <dsp:cNvSpPr/>
+      </dsp:nvSpPr>
+      <dsp:spPr>
+        <a:xfrm>
+          <a:off x="0" y="2319171"/>
+          <a:ext cx="5515583" cy="2319171"/>
+        </a:xfrm>
+        <a:prstGeom prst="rect">
+          <a:avLst/>
+        </a:prstGeom>
+        <a:noFill/>
+        <a:ln>
+          <a:noFill/>
+        </a:ln>
+        <a:effectLst/>
+      </dsp:spPr>
+      <dsp:style>
+        <a:lnRef idx="0">
+          <a:scrgbClr r="0" g="0" b="0"/>
+        </a:lnRef>
+        <a:fillRef idx="0">
+          <a:scrgbClr r="0" g="0" b="0"/>
+        </a:fillRef>
+        <a:effectRef idx="0">
+          <a:scrgbClr r="0" g="0" b="0"/>
+        </a:effectRef>
+        <a:fontRef idx="minor"/>
+      </dsp:style>
+      <dsp:txBody>
+        <a:bodyPr spcFirstLastPara="0" vert="horz" wrap="square" lIns="190500" tIns="190500" rIns="190500" bIns="190500" numCol="1" spcCol="1270" anchor="t" anchorCtr="0">
+          <a:noAutofit/>
+        </a:bodyPr>
+        <a:lstStyle/>
+        <a:p>
+          <a:pPr marL="0" lvl="0" indent="0" algn="l" defTabSz="2222500">
+            <a:lnSpc>
+              <a:spcPct val="90000"/>
+            </a:lnSpc>
+            <a:spcBef>
+              <a:spcPct val="0"/>
+            </a:spcBef>
+            <a:spcAft>
+              <a:spcPct val="35000"/>
+            </a:spcAft>
+            <a:buNone/>
+          </a:pPr>
+          <a:r>
+            <a:rPr lang="en-US" sz="5000" kern="1200"/>
+            <a:t>$2376 total price per month.</a:t>
+          </a:r>
+        </a:p>
+      </dsp:txBody>
+      <dsp:txXfrm>
+        <a:off x="0" y="2319171"/>
+        <a:ext cx="5515583" cy="2319171"/>
+      </dsp:txXfrm>
+    </dsp:sp>
+  </dsp:spTree>
+</dsp:drawing>
+</file>
+
+<file path=ppt/diagrams/layout1.xml><?xml version="1.0" encoding="utf-8"?>
+<dgm:layoutDef xmlns:dgm="http://schemas.openxmlformats.org/drawingml/2006/diagram" xmlns:a="http://schemas.openxmlformats.org/drawingml/2006/main" uniqueId="urn:microsoft.com/office/officeart/2008/layout/LinedList">
+  <dgm:title val=""/>
+  <dgm:desc val=""/>
+  <dgm:catLst>
+    <dgm:cat type="hierarchy" pri="8000"/>
+    <dgm:cat type="list" pri="2500"/>
+  </dgm:catLst>
+  <dgm:sampData>
+    <dgm:dataModel>
+      <dgm:ptLst>
+        <dgm:pt modelId="0" type="doc"/>
+        <dgm:pt modelId="1">
+          <dgm:prSet phldr="1"/>
+        </dgm:pt>
+        <dgm:pt modelId="11">
+          <dgm:prSet phldr="1"/>
+        </dgm:pt>
+        <dgm:pt modelId="12">
+          <dgm:prSet phldr="1"/>
+        </dgm:pt>
+        <dgm:pt modelId="13">
+          <dgm:prSet phldr="1"/>
+        </dgm:pt>
+      </dgm:ptLst>
+      <dgm:cxnLst>
+        <dgm:cxn modelId="2" srcId="0" destId="1" srcOrd="0" destOrd="0"/>
+        <dgm:cxn modelId="3" srcId="1" destId="11" srcOrd="0" destOrd="0"/>
+        <dgm:cxn modelId="4" srcId="1" destId="12" srcOrd="1" destOrd="0"/>
+        <dgm:cxn modelId="5" srcId="1" destId="13" srcOrd="2" destOrd="0"/>
+      </dgm:cxnLst>
+      <dgm:bg/>
+      <dgm:whole/>
+    </dgm:dataModel>
+  </dgm:sampData>
+  <dgm:styleData>
+    <dgm:dataModel>
+      <dgm:ptLst>
+        <dgm:pt modelId="0" type="doc"/>
+        <dgm:pt modelId="1">
+          <dgm:prSet phldr="1"/>
+        </dgm:pt>
+        <dgm:pt modelId="11">
+          <dgm:prSet phldr="1"/>
+        </dgm:pt>
+        <dgm:pt modelId="12">
+          <dgm:prSet phldr="1"/>
+        </dgm:pt>
+      </dgm:ptLst>
+      <dgm:cxnLst>
+        <dgm:cxn modelId="2" srcId="0" destId="1" srcOrd="0" destOrd="0"/>
+        <dgm:cxn modelId="3" srcId="1" destId="11" srcOrd="0" destOrd="0"/>
+        <dgm:cxn modelId="4" srcId="1" destId="12" srcOrd="1" destOrd="0"/>
+      </dgm:cxnLst>
+      <dgm:bg/>
+      <dgm:whole/>
+    </dgm:dataModel>
+  </dgm:styleData>
+  <dgm:clrData>
+    <dgm:dataModel>
+      <dgm:ptLst>
+        <dgm:pt modelId="0" type="doc"/>
+        <dgm:pt modelId="1">
+          <dgm:prSet phldr="1"/>
+        </dgm:pt>
+        <dgm:pt modelId="11">
+          <dgm:prSet phldr="1"/>
+        </dgm:pt>
+        <dgm:pt modelId="12">
+          <dgm:prSet phldr="1"/>
+        </dgm:pt>
+      </dgm:ptLst>
+      <dgm:cxnLst>
+        <dgm:cxn modelId="2" srcId="0" destId="1" srcOrd="0" destOrd="0"/>
+        <dgm:cxn modelId="3" srcId="1" destId="11" srcOrd="0" destOrd="0"/>
+        <dgm:cxn modelId="4" srcId="1" destId="12" srcOrd="1" destOrd="0"/>
+      </dgm:cxnLst>
+      <dgm:bg/>
+      <dgm:whole/>
+    </dgm:dataModel>
+  </dgm:clrData>
+  <dgm:layoutNode name="vert0">
+    <dgm:varLst>
+      <dgm:dir/>
+      <dgm:animOne val="branch"/>
+      <dgm:animLvl val="lvl"/>
+    </dgm:varLst>
+    <dgm:choose name="Name0">
+      <dgm:if name="Name1" func="var" arg="dir" op="equ" val="norm">
+        <dgm:alg type="lin">
+          <dgm:param type="linDir" val="fromT"/>
+          <dgm:param type="nodeHorzAlign" val="l"/>
+        </dgm:alg>
+      </dgm:if>
+      <dgm:else name="Name2">
+        <dgm:alg type="lin">
+          <dgm:param type="linDir" val="fromT"/>
+          <dgm:param type="nodeHorzAlign" val="r"/>
+        </dgm:alg>
+      </dgm:else>
+    </dgm:choose>
+    <dgm:shape xmlns:r="http://schemas.openxmlformats.org/officeDocument/2006/relationships" r:blip="">
+      <dgm:adjLst/>
+    </dgm:shape>
+    <dgm:presOf/>
+    <dgm:constrLst>
+      <dgm:constr type="w" for="ch" forName="horz1" refType="w"/>
+      <dgm:constr type="h" for="ch" forName="horz1" refType="h"/>
+      <dgm:constr type="h" for="des" forName="vert1" refType="h"/>
+      <dgm:constr type="h" for="des" forName="tx1" refType="h"/>
+      <dgm:constr type="h" for="des" forName="horz2" refType="h"/>
+      <dgm:constr type="h" for="des" forName="vert2" refType="h"/>
+      <dgm:constr type="h" for="des" forName="horz3" refType="h"/>
+      <dgm:constr type="h" for="des" forName="vert3" refType="h"/>
+      <dgm:constr type="h" for="des" forName="horz4" refType="h"/>
+      <dgm:constr type="h" for="des" ptType="node" refType="h"/>
+      <dgm:constr type="primFontSz" for="des" forName="tx1" op="equ" val="65"/>
+      <dgm:constr type="primFontSz" for="des" forName="tx2" op="equ" val="65"/>
+      <dgm:constr type="primFontSz" for="des" forName="tx3" op="equ" val="65"/>
+      <dgm:constr type="primFontSz" for="des" forName="tx4" op="equ" val="65"/>
+      <dgm:constr type="w" for="des" forName="thickLine" refType="w"/>
+      <dgm:constr type="h" for="des" forName="thickLine"/>
+      <dgm:constr type="h" for="des" forName="thinLine1"/>
+      <dgm:constr type="h" for="des" forName="thinLine2b"/>
+      <dgm:constr type="h" for="des" forName="thinLine3"/>
+      <dgm:constr type="h" for="des" forName="vertSpace2a" refType="h" fact="0.05"/>
+      <dgm:constr type="h" for="des" forName="vertSpace2b" refType="h" refFor="des" refForName="vertSpace2a"/>
+    </dgm:constrLst>
+    <dgm:forEach name="Name3" axis="ch" ptType="node">
+      <dgm:layoutNode name="thickLine" styleLbl="alignNode1">
+        <dgm:alg type="sp"/>
+        <dgm:shape xmlns:r="http://schemas.openxmlformats.org/officeDocument/2006/relationships" type="line" r:blip="">
+          <dgm:adjLst/>
+        </dgm:shape>
+        <dgm:presOf/>
+      </dgm:layoutNode>
+      <dgm:layoutNode name="horz1">
+        <dgm:choose name="Name4">
+          <dgm:if name="Name5" func="var" arg="dir" op="equ" val="norm">
+            <dgm:alg type="lin">
+              <dgm:param type="linDir" val="fromL"/>
+              <dgm:param type="nodeVertAlign" val="t"/>
+            </dgm:alg>
+          </dgm:if>
+          <dgm:else name="Name6">
+            <dgm:alg type="lin">
+              <dgm:param type="linDir" val="fromR"/>
+              <dgm:param type="nodeVertAlign" val="t"/>
+            </dgm:alg>
+          </dgm:else>
+        </dgm:choose>
+        <dgm:shape xmlns:r="http://schemas.openxmlformats.org/officeDocument/2006/relationships" r:blip="">
+          <dgm:adjLst/>
+        </dgm:shape>
+        <dgm:presOf/>
+        <dgm:choose name="Name7">
+          <dgm:if name="Name8" axis="root des" func="maxDepth" op="equ" val="1">
+            <dgm:constrLst>
+              <dgm:constr type="w" for="ch" forName="tx1" refType="w"/>
+            </dgm:constrLst>
+          </dgm:if>
+          <dgm:if name="Name9" axis="root des" func="maxDepth" op="equ" val="2">
+            <dgm:constrLst>
+              <dgm:constr type="w" for="ch" forName="tx1" refType="w" fact="0.2"/>
+              <dgm:constr type="w" for="des" forName="tx2" refType="w" fact="0.785"/>
+              <dgm:constr type="w" for="des" forName="horzSpace2" refType="w" fact="0.015"/>
+              <dgm:constr type="w" for="des" forName="thinLine2b" refType="w" fact="0.8"/>
+            </dgm:constrLst>
+          </dgm:if>
+          <dgm:if name="Name10" axis="root des" func="maxDepth" op="equ" val="3">
+            <dgm:constrLst>
+              <dgm:constr type="w" for="ch" forName="tx1" refType="w" fact="0.2"/>
+              <dgm:constr type="w" for="des" forName="tx2" refType="w" fact="0.385"/>
+              <dgm:constr type="w" for="des" forName="tx3" refType="w" fact="0.385"/>
+              <dgm:constr type="w" for="des" forName="horzSpace2" refType="w" fact="0.015"/>
+              <dgm:constr type="w" for="des" forName="horzSpace3" refType="w" fact="0.015"/>
+              <dgm:constr type="w" for="des" forName="thinLine2b" refType="w" fact="0.8"/>
+              <dgm:constr type="w" for="des" forName="thinLine3" refType="w" fact="0.385"/>
+            </dgm:constrLst>
+          </dgm:if>
+          <dgm:if name="Name11" axis="root des" func="maxDepth" op="gte" val="4">
+            <dgm:constrLst>
+              <dgm:constr type="w" for="ch" forName="tx1" refType="w" fact="0.2"/>
+              <dgm:constr type="w" for="des" forName="tx2" refType="w" fact="0.2516"/>
+              <dgm:constr type="w" for="des" forName="tx3" refType="w" fact="0.2516"/>
+              <dgm:constr type="w" for="des" forName="tx4" refType="w" fact="0.2516"/>
+              <dgm:constr type="w" for="des" forName="horzSpace2" refType="w" fact="0.015"/>
+              <dgm:constr type="w" for="des" forName="horzSpace3" refType="w" fact="0.015"/>
+              <dgm:constr type="w" for="des" forName="horzSpace4" refType="w" fact="0.015"/>
+              <dgm:constr type="w" for="des" forName="thinLine2b" refType="w" fact="0.8"/>
+              <dgm:constr type="w" for="des" forName="thinLine3" refType="w" fact="0.5332"/>
+            </dgm:constrLst>
+          </dgm:if>
+          <dgm:else name="Name12"/>
+        </dgm:choose>
+        <dgm:layoutNode name="tx1" styleLbl="revTx">
+          <dgm:alg type="tx">
+            <dgm:param type="parTxLTRAlign" val="l"/>
+            <dgm:param type="parTxRTLAlign" val="r"/>
+            <dgm:param type="txAnchorVert" val="t"/>
+          </dgm:alg>
+          <dgm:shape xmlns:r="http://schemas.openxmlformats.org/officeDocument/2006/relationships" type="rect" r:blip="">
+            <dgm:adjLst/>
+          </dgm:shape>
+          <dgm:presOf axis="self"/>
+          <dgm:constrLst>
+            <dgm:constr type="tMarg" refType="primFontSz" fact="0.3"/>
+            <dgm:constr type="bMarg" refType="primFontSz" fact="0.3"/>
+            <dgm:constr type="lMarg" refType="primFontSz" fact="0.3"/>
+            <dgm:constr type="rMarg" refType="primFontSz" fact="0.3"/>
+          </dgm:constrLst>
+          <dgm:ruleLst>
+            <dgm:rule type="primFontSz" val="5" fact="NaN" max="NaN"/>
+          </dgm:ruleLst>
+        </dgm:layoutNode>
+        <dgm:layoutNode name="vert1">
+          <dgm:choose name="Name13">
+            <dgm:if name="Name14" func="var" arg="dir" op="equ" val="norm">
+              <dgm:alg type="lin">
+                <dgm:param type="linDir" val="fromT"/>
+                <dgm:param type="nodeHorzAlign" val="l"/>
+              </dgm:alg>
+            </dgm:if>
+            <dgm:else name="Name15">
+              <dgm:alg type="lin">
+                <dgm:param type="linDir" val="fromT"/>
+                <dgm:param type="nodeHorzAlign" val="r"/>
+              </dgm:alg>
+            </dgm:else>
+          </dgm:choose>
+          <dgm:shape xmlns:r="http://schemas.openxmlformats.org/officeDocument/2006/relationships" r:blip="">
+            <dgm:adjLst/>
+          </dgm:shape>
+          <dgm:presOf/>
+          <dgm:forEach name="Name16" axis="ch" ptType="node">
+            <dgm:choose name="Name17">
+              <dgm:if name="Name18" axis="self" ptType="node" func="pos" op="equ" val="1">
+                <dgm:layoutNode name="vertSpace2a">
+                  <dgm:alg type="sp"/>
+                  <dgm:shape xmlns:r="http://schemas.openxmlformats.org/officeDocument/2006/relationships" r:blip="">
+                    <dgm:adjLst/>
+                  </dgm:shape>
+                  <dgm:presOf/>
+                </dgm:layoutNode>
+              </dgm:if>
+              <dgm:else name="Name19"/>
+            </dgm:choose>
+            <dgm:layoutNode name="horz2">
+              <dgm:choose name="Name20">
+                <dgm:if name="Name21" func="var" arg="dir" op="equ" val="norm">
+                  <dgm:alg type="lin">
+                    <dgm:param type="linDir" val="fromL"/>
+                    <dgm:param type="nodeVertAlign" val="t"/>
+                  </dgm:alg>
+                </dgm:if>
+                <dgm:else name="Name22">
+                  <dgm:alg type="lin">
+                    <dgm:param type="linDir" val="fromR"/>
+                    <dgm:param type="nodeVertAlign" val="t"/>
+                  </dgm:alg>
+                </dgm:else>
+              </dgm:choose>
+              <dgm:shape xmlns:r="http://schemas.openxmlformats.org/officeDocument/2006/relationships" r:blip="">
+                <dgm:adjLst/>
+              </dgm:shape>
+              <dgm:presOf/>
+              <dgm:layoutNode name="horzSpace2">
+                <dgm:alg type="sp"/>
+                <dgm:shape xmlns:r="http://schemas.openxmlformats.org/officeDocument/2006/relationships" r:blip="">
+                  <dgm:adjLst/>
+                </dgm:shape>
+                <dgm:presOf/>
+              </dgm:layoutNode>
+              <dgm:layoutNode name="tx2" styleLbl="revTx">
+                <dgm:alg type="tx">
+                  <dgm:param type="parTxLTRAlign" val="l"/>
+                  <dgm:param type="parTxRTLAlign" val="r"/>
+                  <dgm:param type="txAnchorVert" val="t"/>
+                </dgm:alg>
+                <dgm:shape xmlns:r="http://schemas.openxmlformats.org/officeDocument/2006/relationships" type="rect" r:blip="">
+                  <dgm:adjLst/>
+                </dgm:shape>
+                <dgm:presOf axis="self"/>
+                <dgm:constrLst>
+                  <dgm:constr type="tMarg" refType="primFontSz" fact="0.3"/>
+                  <dgm:constr type="bMarg" refType="primFontSz" fact="0.3"/>
+                  <dgm:constr type="lMarg" refType="primFontSz" fact="0.3"/>
+                  <dgm:constr type="rMarg" refType="primFontSz" fact="0.3"/>
+                </dgm:constrLst>
+                <dgm:ruleLst>
+                  <dgm:rule type="primFontSz" val="5" fact="NaN" max="NaN"/>
+                </dgm:ruleLst>
+              </dgm:layoutNode>
+              <dgm:layoutNode name="vert2">
+                <dgm:choose name="Name23">
+                  <dgm:if name="Name24" func="var" arg="dir" op="equ" val="norm">
+                    <dgm:alg type="lin">
+                      <dgm:param type="linDir" val="fromT"/>
+                      <dgm:param type="nodeHorzAlign" val="l"/>
+                    </dgm:alg>
+                  </dgm:if>
+                  <dgm:else name="Name25">
+                    <dgm:alg type="lin">
+                      <dgm:param type="linDir" val="fromT"/>
+                      <dgm:param type="nodeHorzAlign" val="r"/>
+                    </dgm:alg>
+                  </dgm:else>
+                </dgm:choose>
+                <dgm:shape xmlns:r="http://schemas.openxmlformats.org/officeDocument/2006/relationships" r:blip="">
+                  <dgm:adjLst/>
+                </dgm:shape>
+                <dgm:presOf/>
+                <dgm:forEach name="Name26" axis="ch" ptType="node">
+                  <dgm:layoutNode name="horz3">
+                    <dgm:choose name="Name27">
+                      <dgm:if name="Name28" func="var" arg="dir" op="equ" val="norm">
+                        <dgm:alg type="lin">
+                          <dgm:param type="linDir" val="fromL"/>
+                          <dgm:param type="nodeVertAlign" val="t"/>
+                        </dgm:alg>
+                      </dgm:if>
+                      <dgm:else name="Name29">
+                        <dgm:alg type="lin">
+                          <dgm:param type="linDir" val="fromR"/>
+                          <dgm:param type="nodeVertAlign" val="t"/>
+                        </dgm:alg>
+                      </dgm:else>
+                    </dgm:choose>
+                    <dgm:shape xmlns:r="http://schemas.openxmlformats.org/officeDocument/2006/relationships" r:blip="">
+                      <dgm:adjLst/>
+                    </dgm:shape>
+                    <dgm:presOf/>
+                    <dgm:layoutNode name="horzSpace3">
+                      <dgm:alg type="sp"/>
+                      <dgm:shape xmlns:r="http://schemas.openxmlformats.org/officeDocument/2006/relationships" r:blip="">
+                        <dgm:adjLst/>
+                      </dgm:shape>
+                      <dgm:presOf/>
+                    </dgm:layoutNode>
+                    <dgm:layoutNode name="tx3" styleLbl="revTx">
+                      <dgm:alg type="tx">
+                        <dgm:param type="parTxLTRAlign" val="l"/>
+                        <dgm:param type="parTxRTLAlign" val="r"/>
+                        <dgm:param type="txAnchorVert" val="t"/>
+                      </dgm:alg>
+                      <dgm:shape xmlns:r="http://schemas.openxmlformats.org/officeDocument/2006/relationships" type="rect" r:blip="">
+                        <dgm:adjLst/>
+                      </dgm:shape>
+                      <dgm:presOf axis="self"/>
+                      <dgm:constrLst>
+                        <dgm:constr type="tMarg" refType="primFontSz" fact="0.3"/>
+                        <dgm:constr type="bMarg" refType="primFontSz" fact="0.3"/>
+                        <dgm:constr type="lMarg" refType="primFontSz" fact="0.3"/>
+                        <dgm:constr type="rMarg" refType="primFontSz" fact="0.3"/>
+                      </dgm:constrLst>
+                      <dgm:ruleLst>
+                        <dgm:rule type="primFontSz" val="5" fact="NaN" max="NaN"/>
+                      </dgm:ruleLst>
+                    </dgm:layoutNode>
+                    <dgm:layoutNode name="vert3">
+                      <dgm:choose name="Name30">
+                        <dgm:if name="Name31" func="var" arg="dir" op="equ" val="norm">
+                          <dgm:alg type="lin">
+                            <dgm:param type="linDir" val="fromT"/>
+                            <dgm:param type="nodeHorzAlign" val="l"/>
+                          </dgm:alg>
+                        </dgm:if>
+                        <dgm:else name="Name32">
+                          <dgm:alg type="lin">
+                            <dgm:param type="linDir" val="fromT"/>
+                            <dgm:param type="nodeHorzAlign" val="r"/>
+                          </dgm:alg>
+                        </dgm:else>
+                      </dgm:choose>
+                      <dgm:shape xmlns:r="http://schemas.openxmlformats.org/officeDocument/2006/relationships" r:blip="">
+                        <dgm:adjLst/>
+                      </dgm:shape>
+                      <dgm:presOf/>
+                      <dgm:forEach name="Name33" axis="ch" ptType="node">
+                        <dgm:layoutNode name="horz4">
+                          <dgm:choose name="Name34">
+                            <dgm:if name="Name35" func="var" arg="dir" op="equ" val="norm">
+                              <dgm:alg type="lin">
+                                <dgm:param type="linDir" val="fromL"/>
+                                <dgm:param type="nodeVertAlign" val="t"/>
+                              </dgm:alg>
+                            </dgm:if>
+                            <dgm:else name="Name36">
+                              <dgm:alg type="lin">
+                                <dgm:param type="linDir" val="fromR"/>
+                                <dgm:param type="nodeVertAlign" val="t"/>
+                              </dgm:alg>
+                            </dgm:else>
+                          </dgm:choose>
+                          <dgm:shape xmlns:r="http://schemas.openxmlformats.org/officeDocument/2006/relationships" r:blip="">
+                            <dgm:adjLst/>
+                          </dgm:shape>
+                          <dgm:presOf/>
+                          <dgm:layoutNode name="horzSpace4">
+                            <dgm:alg type="sp"/>
+                            <dgm:shape xmlns:r="http://schemas.openxmlformats.org/officeDocument/2006/relationships" r:blip="">
+                              <dgm:adjLst/>
+                            </dgm:shape>
+                            <dgm:presOf/>
+                          </dgm:layoutNode>
+                          <dgm:layoutNode name="tx4" styleLbl="revTx">
+                            <dgm:varLst>
+                              <dgm:bulletEnabled val="1"/>
+                            </dgm:varLst>
+                            <dgm:alg type="tx">
+                              <dgm:param type="parTxLTRAlign" val="l"/>
+                              <dgm:param type="parTxRTLAlign" val="r"/>
+                              <dgm:param type="txAnchorVert" val="t"/>
+                            </dgm:alg>
+                            <dgm:shape xmlns:r="http://schemas.openxmlformats.org/officeDocument/2006/relationships" type="rect" r:blip="">
+                              <dgm:adjLst/>
+                            </dgm:shape>
+                            <dgm:presOf axis="desOrSelf" ptType="node"/>
+                            <dgm:constrLst>
+                              <dgm:constr type="tMarg" refType="primFontSz" fact="0.3"/>
+                              <dgm:constr type="bMarg" refType="primFontSz" fact="0.3"/>
+                              <dgm:constr type="lMarg" refType="primFontSz" fact="0.3"/>
+                              <dgm:constr type="rMarg" refType="primFontSz" fact="0.3"/>
+                            </dgm:constrLst>
+                            <dgm:ruleLst>
+                              <dgm:rule type="primFontSz" val="5" fact="NaN" max="NaN"/>
+                            </dgm:ruleLst>
+                          </dgm:layoutNode>
+                        </dgm:layoutNode>
+                      </dgm:forEach>
+                    </dgm:layoutNode>
+                  </dgm:layoutNode>
+                  <dgm:forEach name="Name37" axis="followSib" ptType="sibTrans" cnt="1">
+                    <dgm:layoutNode name="thinLine3" styleLbl="callout">
+                      <dgm:alg type="sp"/>
+                      <dgm:shape xmlns:r="http://schemas.openxmlformats.org/officeDocument/2006/relationships" type="line" r:blip="">
+                        <dgm:adjLst/>
+                      </dgm:shape>
+                      <dgm:presOf/>
+                    </dgm:layoutNode>
+                  </dgm:forEach>
+                </dgm:forEach>
+              </dgm:layoutNode>
+            </dgm:layoutNode>
+            <dgm:layoutNode name="thinLine2b" styleLbl="callout">
+              <dgm:alg type="sp"/>
+              <dgm:shape xmlns:r="http://schemas.openxmlformats.org/officeDocument/2006/relationships" type="line" r:blip="">
+                <dgm:adjLst/>
+              </dgm:shape>
+              <dgm:presOf/>
+            </dgm:layoutNode>
+            <dgm:layoutNode name="vertSpace2b">
+              <dgm:alg type="sp"/>
+              <dgm:shape xmlns:r="http://schemas.openxmlformats.org/officeDocument/2006/relationships" r:blip="">
+                <dgm:adjLst/>
+              </dgm:shape>
+              <dgm:presOf/>
+            </dgm:layoutNode>
+          </dgm:forEach>
+        </dgm:layoutNode>
+      </dgm:layoutNode>
+    </dgm:forEach>
+  </dgm:layoutNode>
+</dgm:layoutDef>
+</file>
+
+<file path=ppt/diagrams/quickStyle1.xml><?xml version="1.0" encoding="utf-8"?>
+<dgm:styleDef xmlns:dgm="http://schemas.openxmlformats.org/drawingml/2006/diagram" xmlns:a="http://schemas.openxmlformats.org/drawingml/2006/main" uniqueId="urn:microsoft.com/office/officeart/2005/8/quickstyle/simple1">
+  <dgm:title val=""/>
+  <dgm:desc val=""/>
+  <dgm:catLst>
+    <dgm:cat type="simple" pri="10100"/>
+  </dgm:catLst>
+  <dgm:scene3d>
+    <a:camera prst="orthographicFront"/>
+    <a:lightRig rig="threePt" dir="t"/>
+  </dgm:scene3d>
+  <dgm:styleLbl name="node0">
+    <dgm:scene3d>
+      <a:camera prst="orthographicFront"/>
+      <a:lightRig rig="threePt" dir="t"/>
+    </dgm:scene3d>
+    <dgm:sp3d/>
+    <dgm:txPr/>
+    <dgm:style>
+      <a:lnRef idx="2">
+        <a:scrgbClr r="0" g="0" b="0"/>
+      </a:lnRef>
+      <a:fillRef idx="1">
+        <a:scrgbClr r="0" g="0" b="0"/>
+      </a:fillRef>
+      <a:effectRef idx="0">
+        <a:scrgbClr r="0" g="0" b="0"/>
+      </a:effectRef>
+      <a:fontRef idx="minor">
+        <a:schemeClr val="lt1"/>
+      </a:fontRef>
+    </dgm:style>
+  </dgm:styleLbl>
+  <dgm:styleLbl name="lnNode1">
+    <dgm:scene3d>
+      <a:camera prst="orthographicFront"/>
+      <a:lightRig rig="threePt" dir="t"/>
+    </dgm:scene3d>
+    <dgm:sp3d/>
+    <dgm:txPr/>
+    <dgm:style>
+      <a:lnRef idx="2">
+        <a:scrgbClr r="0" g="0" b="0"/>
+      </a:lnRef>
+      <a:fillRef idx="1">
+        <a:scrgbClr r="0" g="0" b="0"/>
+      </a:fillRef>
+      <a:effectRef idx="0">
+        <a:scrgbClr r="0" g="0" b="0"/>
+      </a:effectRef>
+      <a:fontRef idx="minor">
+        <a:schemeClr val="lt1"/>
+      </a:fontRef>
+    </dgm:style>
+  </dgm:styleLbl>
+  <dgm:styleLbl name="vennNode1">
+    <dgm:scene3d>
+      <a:camera prst="orthographicFront"/>
+      <a:lightRig rig="threePt" dir="t"/>
+    </dgm:scene3d>
+    <dgm:sp3d/>
+    <dgm:txPr/>
+    <dgm:style>
+      <a:lnRef idx="2">
+        <a:scrgbClr r="0" g="0" b="0"/>
+      </a:lnRef>
+      <a:fillRef idx="1">
+        <a:scrgbClr r="0" g="0" b="0"/>
+      </a:fillRef>
+      <a:effectRef idx="0">
+        <a:scrgbClr r="0" g="0" b="0"/>
+      </a:effectRef>
+      <a:fontRef idx="minor">
+        <a:schemeClr val="tx1"/>
+      </a:fontRef>
+    </dgm:style>
+  </dgm:styleLbl>
+  <dgm:styleLbl name="alignNode1">
+    <dgm:scene3d>
+      <a:camera prst="orthographicFront"/>
+      <a:lightRig rig="threePt" dir="t"/>
+    </dgm:scene3d>
+    <dgm:sp3d/>
+    <dgm:txPr/>
+    <dgm:style>
+      <a:lnRef idx="2">
+        <a:scrgbClr r="0" g="0" b="0"/>
+      </a:lnRef>
+      <a:fillRef idx="1">
+        <a:scrgbClr r="0" g="0" b="0"/>
+      </a:fillRef>
+      <a:effectRef idx="0">
+        <a:scrgbClr r="0" g="0" b="0"/>
+      </a:effectRef>
+      <a:fontRef idx="minor">
+        <a:schemeClr val="lt1"/>
+      </a:fontRef>
+    </dgm:style>
+  </dgm:styleLbl>
+  <dgm:styleLbl name="node1">
+    <dgm:scene3d>
+      <a:camera prst="orthographicFront"/>
+      <a:lightRig rig="threePt" dir="t"/>
+    </dgm:scene3d>
+    <dgm:sp3d/>
+    <dgm:txPr/>
+    <dgm:style>
+      <a:lnRef idx="2">
+        <a:scrgbClr r="0" g="0" b="0"/>
+      </a:lnRef>
+      <a:fillRef idx="1">
+        <a:scrgbClr r="0" g="0" b="0"/>
+      </a:fillRef>
+      <a:effectRef idx="0">
+        <a:scrgbClr r="0" g="0" b="0"/>
+      </a:effectRef>
+      <a:fontRef idx="minor">
+        <a:schemeClr val="lt1"/>
+      </a:fontRef>
+    </dgm:style>
+  </dgm:styleLbl>
+  <dgm:styleLbl name="node2">
+    <dgm:scene3d>
+      <a:camera prst="orthographicFront"/>
+      <a:lightRig rig="threePt" dir="t"/>
+    </dgm:scene3d>
+    <dgm:sp3d/>
+    <dgm:txPr/>
+    <dgm:style>
+      <a:lnRef idx="2">
+        <a:scrgbClr r="0" g="0" b="0"/>
+      </a:lnRef>
+      <a:fillRef idx="1">
+        <a:scrgbClr r="0" g="0" b="0"/>
+      </a:fillRef>
+      <a:effectRef idx="0">
+        <a:scrgbClr r="0" g="0" b="0"/>
+      </a:effectRef>
+      <a:fontRef idx="minor">
+        <a:schemeClr val="lt1"/>
+      </a:fontRef>
+    </dgm:style>
+  </dgm:styleLbl>
+  <dgm:styleLbl name="node3">
+    <dgm:scene3d>
+      <a:camera prst="orthographicFront"/>
+      <a:lightRig rig="threePt" dir="t"/>
+    </dgm:scene3d>
+    <dgm:sp3d/>
+    <dgm:txPr/>
+    <dgm:style>
+      <a:lnRef idx="2">
+        <a:scrgbClr r="0" g="0" b="0"/>
+      </a:lnRef>
+      <a:fillRef idx="1">
+        <a:scrgbClr r="0" g="0" b="0"/>
+      </a:fillRef>
+      <a:effectRef idx="0">
+        <a:scrgbClr r="0" g="0" b="0"/>
+      </a:effectRef>
+      <a:fontRef idx="minor">
+        <a:schemeClr val="lt1"/>
+      </a:fontRef>
+    </dgm:style>
+  </dgm:styleLbl>
+  <dgm:styleLbl name="node4">
+    <dgm:scene3d>
+      <a:camera prst="orthographicFront"/>
+      <a:lightRig rig="threePt" dir="t"/>
+    </dgm:scene3d>
+    <dgm:sp3d/>
+    <dgm:txPr/>
+    <dgm:style>
+      <a:lnRef idx="2">
+        <a:scrgbClr r="0" g="0" b="0"/>
+      </a:lnRef>
+      <a:fillRef idx="1">
+        <a:scrgbClr r="0" g="0" b="0"/>
+      </a:fillRef>
+      <a:effectRef idx="0">
+        <a:scrgbClr r="0" g="0" b="0"/>
+      </a:effectRef>
+      <a:fontRef idx="minor">
+        <a:schemeClr val="lt1"/>
+      </a:fontRef>
+    </dgm:style>
+  </dgm:styleLbl>
+  <dgm:styleLbl name="fgImgPlace1">
+    <dgm:scene3d>
+      <a:camera prst="orthographicFront"/>
+      <a:lightRig rig="threePt" dir="t"/>
+    </dgm:scene3d>
+    <dgm:sp3d/>
+    <dgm:txPr/>
+    <dgm:style>
+      <a:lnRef idx="2">
+        <a:scrgbClr r="0" g="0" b="0"/>
+      </a:lnRef>
+      <a:fillRef idx="1">
+        <a:scrgbClr r="0" g="0" b="0"/>
+      </a:fillRef>
+      <a:effectRef idx="0">
+        <a:scrgbClr r="0" g="0" b="0"/>
+      </a:effectRef>
+      <a:fontRef idx="minor"/>
+    </dgm:style>
+  </dgm:styleLbl>
+  <dgm:styleLbl name="alignImgPlace1">
+    <dgm:scene3d>
+      <a:camera prst="orthographicFront"/>
+      <a:lightRig rig="threePt" dir="t"/>
+    </dgm:scene3d>
+    <dgm:sp3d/>
+    <dgm:txPr/>
+    <dgm:style>
+      <a:lnRef idx="2">
+        <a:scrgbClr r="0" g="0" b="0"/>
+      </a:lnRef>
+      <a:fillRef idx="1">
+        <a:scrgbClr r="0" g="0" b="0"/>
+      </a:fillRef>
+      <a:effectRef idx="0">
+        <a:scrgbClr r="0" g="0" b="0"/>
+      </a:effectRef>
+      <a:fontRef idx="minor"/>
+    </dgm:style>
+  </dgm:styleLbl>
+  <dgm:styleLbl name="bgImgPlace1">
+    <dgm:scene3d>
+      <a:camera prst="orthographicFront"/>
+      <a:lightRig rig="threePt" dir="t"/>
+    </dgm:scene3d>
+    <dgm:sp3d/>
+    <dgm:txPr/>
+    <dgm:style>
+      <a:lnRef idx="2">
+        <a:scrgbClr r="0" g="0" b="0"/>
+      </a:lnRef>
+      <a:fillRef idx="1">
+        <a:scrgbClr r="0" g="0" b="0"/>
+      </a:fillRef>
+      <a:effectRef idx="0">
+        <a:scrgbClr r="0" g="0" b="0"/>
+      </a:effectRef>
+      <a:fontRef idx="minor"/>
+    </dgm:style>
+  </dgm:styleLbl>
+  <dgm:styleLbl name="sibTrans2D1">
+    <dgm:scene3d>
+      <a:camera prst="orthographicFront"/>
+      <a:lightRig rig="threePt" dir="t"/>
+    </dgm:scene3d>
+    <dgm:sp3d/>
+    <dgm:txPr/>
+    <dgm:style>
+      <a:lnRef idx="0">
+        <a:scrgbClr r="0" g="0" b="0"/>
+      </a:lnRef>
+      <a:fillRef idx="1">
+        <a:scrgbClr r="0" g="0" b="0"/>
+      </a:fillRef>
+      <a:effectRef idx="0">
+        <a:scrgbClr r="0" g="0" b="0"/>
+      </a:effectRef>
+      <a:fontRef idx="minor">
+        <a:schemeClr val="lt1"/>
+      </a:fontRef>
+    </dgm:style>
+  </dgm:styleLbl>
+  <dgm:styleLbl name="fgSibTrans2D1">
+    <dgm:scene3d>
+      <a:camera prst="orthographicFront"/>
+      <a:lightRig rig="threePt" dir="t"/>
+    </dgm:scene3d>
+    <dgm:sp3d/>
+    <dgm:txPr/>
+    <dgm:style>
+      <a:lnRef idx="0">
+        <a:scrgbClr r="0" g="0" b="0"/>
+      </a:lnRef>
+      <a:fillRef idx="1">
+        <a:scrgbClr r="0" g="0" b="0"/>
+      </a:fillRef>
+      <a:effectRef idx="0">
+        <a:scrgbClr r="0" g="0" b="0"/>
+      </a:effectRef>
+      <a:fontRef idx="minor">
+        <a:schemeClr val="lt1"/>
+      </a:fontRef>
+    </dgm:style>
+  </dgm:styleLbl>
+  <dgm:styleLbl name="bgSibTrans2D1">
+    <dgm:scene3d>
+      <a:camera prst="orthographicFront"/>
+      <a:lightRig rig="threePt" dir="t"/>
+    </dgm:scene3d>
+    <dgm:sp3d/>
+    <dgm:txPr/>
+    <dgm:style>
+      <a:lnRef idx="0">
+        <a:scrgbClr r="0" g="0" b="0"/>
+      </a:lnRef>
+      <a:fillRef idx="1">
+        <a:scrgbClr r="0" g="0" b="0"/>
+      </a:fillRef>
+      <a:effectRef idx="0">
+        <a:scrgbClr r="0" g="0" b="0"/>
+      </a:effectRef>
+      <a:fontRef idx="minor">
+        <a:schemeClr val="lt1"/>
+      </a:fontRef>
+    </dgm:style>
+  </dgm:styleLbl>
+  <dgm:styleLbl name="sibTrans1D1">
+    <dgm:scene3d>
+      <a:camera prst="orthographicFront"/>
+      <a:lightRig rig="threePt" dir="t"/>
+    </dgm:scene3d>
+    <dgm:sp3d/>
+    <dgm:txPr/>
+    <dgm:style>
+      <a:lnRef idx="1">
+        <a:scrgbClr r="0" g="0" b="0"/>
+      </a:lnRef>
+      <a:fillRef idx="0">
+        <a:scrgbClr r="0" g="0" b="0"/>
+      </a:fillRef>
+      <a:effectRef idx="0">
+        <a:scrgbClr r="0" g="0" b="0"/>
+      </a:effectRef>
+      <a:fontRef idx="minor"/>
+    </dgm:style>
+  </dgm:styleLbl>
+  <dgm:styleLbl name="callout">
+    <dgm:scene3d>
+      <a:camera prst="orthographicFront"/>
+      <a:lightRig rig="threePt" dir="t"/>
+    </dgm:scene3d>
+    <dgm:sp3d/>
+    <dgm:txPr/>
+    <dgm:style>
+      <a:lnRef idx="2">
+        <a:scrgbClr r="0" g="0" b="0"/>
+      </a:lnRef>
+      <a:fillRef idx="1">
+        <a:scrgbClr r="0" g="0" b="0"/>
+      </a:fillRef>
+      <a:effectRef idx="0">
+        <a:scrgbClr r="0" g="0" b="0"/>
+      </a:effectRef>
+      <a:fontRef idx="minor"/>
+    </dgm:style>
+  </dgm:styleLbl>
+  <dgm:styleLbl name="asst0">
+    <dgm:scene3d>
+      <a:camera prst="orthographicFront"/>
+      <a:lightRig rig="threePt" dir="t"/>
+    </dgm:scene3d>
+    <dgm:sp3d/>
+    <dgm:txPr/>
+    <dgm:style>
+      <a:lnRef idx="2">
+        <a:scrgbClr r="0" g="0" b="0"/>
+      </a:lnRef>
+      <a:fillRef idx="1">
+        <a:scrgbClr r="0" g="0" b="0"/>
+      </a:fillRef>
+      <a:effectRef idx="0">
+        <a:scrgbClr r="0" g="0" b="0"/>
+      </a:effectRef>
+      <a:fontRef idx="minor">
+        <a:schemeClr val="lt1"/>
+      </a:fontRef>
+    </dgm:style>
+  </dgm:styleLbl>
+  <dgm:styleLbl name="asst1">
+    <dgm:scene3d>
+      <a:camera prst="orthographicFront"/>
+      <a:lightRig rig="threePt" dir="t"/>
+    </dgm:scene3d>
+    <dgm:sp3d/>
+    <dgm:txPr/>
+    <dgm:style>
+      <a:lnRef idx="2">
+        <a:scrgbClr r="0" g="0" b="0"/>
+      </a:lnRef>
+      <a:fillRef idx="1">
+        <a:scrgbClr r="0" g="0" b="0"/>
+      </a:fillRef>
+      <a:effectRef idx="0">
+        <a:scrgbClr r="0" g="0" b="0"/>
+      </a:effectRef>
+      <a:fontRef idx="minor">
+        <a:schemeClr val="lt1"/>
+      </a:fontRef>
+    </dgm:style>
+  </dgm:styleLbl>
+  <dgm:styleLbl name="asst2">
+    <dgm:scene3d>
+      <a:camera prst="orthographicFront"/>
+      <a:lightRig rig="threePt" dir="t"/>
+    </dgm:scene3d>
+    <dgm:sp3d/>
+    <dgm:txPr/>
+    <dgm:style>
+      <a:lnRef idx="2">
+        <a:scrgbClr r="0" g="0" b="0"/>
+      </a:lnRef>
+      <a:fillRef idx="1">
+        <a:scrgbClr r="0" g="0" b="0"/>
+      </a:fillRef>
+      <a:effectRef idx="0">
+        <a:scrgbClr r="0" g="0" b="0"/>
+      </a:effectRef>
+      <a:fontRef idx="minor">
+        <a:schemeClr val="lt1"/>
+      </a:fontRef>
+    </dgm:style>
+  </dgm:styleLbl>
+  <dgm:styleLbl name="asst3">
+    <dgm:scene3d>
+      <a:camera prst="orthographicFront"/>
+      <a:lightRig rig="threePt" dir="t"/>
+    </dgm:scene3d>
+    <dgm:sp3d/>
+    <dgm:txPr/>
+    <dgm:style>
+      <a:lnRef idx="2">
+        <a:scrgbClr r="0" g="0" b="0"/>
+      </a:lnRef>
+      <a:fillRef idx="1">
+        <a:scrgbClr r="0" g="0" b="0"/>
+      </a:fillRef>
+      <a:effectRef idx="0">
+        <a:scrgbClr r="0" g="0" b="0"/>
+      </a:effectRef>
+      <a:fontRef idx="minor">
+        <a:schemeClr val="lt1"/>
+      </a:fontRef>
+    </dgm:style>
+  </dgm:styleLbl>
+  <dgm:styleLbl name="asst4">
+    <dgm:scene3d>
+      <a:camera prst="orthographicFront"/>
+      <a:lightRig rig="threePt" dir="t"/>
+    </dgm:scene3d>
+    <dgm:sp3d/>
+    <dgm:txPr/>
+    <dgm:style>
+      <a:lnRef idx="2">
+        <a:scrgbClr r="0" g="0" b="0"/>
+      </a:lnRef>
+      <a:fillRef idx="1">
+        <a:scrgbClr r="0" g="0" b="0"/>
+      </a:fillRef>
+      <a:effectRef idx="0">
+        <a:scrgbClr r="0" g="0" b="0"/>
+      </a:effectRef>
+      <a:fontRef idx="minor">
+        <a:schemeClr val="lt1"/>
+      </a:fontRef>
+    </dgm:style>
+  </dgm:styleLbl>
+  <dgm:styleLbl name="parChTrans2D1">
+    <dgm:scene3d>
+      <a:camera prst="orthographicFront"/>
+      <a:lightRig rig="threePt" dir="t"/>
+    </dgm:scene3d>
+    <dgm:sp3d/>
+    <dgm:txPr/>
+    <dgm:style>
+      <a:lnRef idx="2">
+        <a:scrgbClr r="0" g="0" b="0"/>
+      </a:lnRef>
+      <a:fillRef idx="1">
+        <a:scrgbClr r="0" g="0" b="0"/>
+      </a:fillRef>
+      <a:effectRef idx="0">
+        <a:scrgbClr r="0" g="0" b="0"/>
+      </a:effectRef>
+      <a:fontRef idx="minor">
+        <a:schemeClr val="lt1"/>
+      </a:fontRef>
+    </dgm:style>
+  </dgm:styleLbl>
+  <dgm:styleLbl name="parChTrans2D2">
+    <dgm:scene3d>
+      <a:camera prst="orthographicFront"/>
+      <a:lightRig rig="threePt" dir="t"/>
+    </dgm:scene3d>
+    <dgm:sp3d/>
+    <dgm:txPr/>
+    <dgm:style>
+      <a:lnRef idx="2">
+        <a:scrgbClr r="0" g="0" b="0"/>
+      </a:lnRef>
+      <a:fillRef idx="1">
+        <a:scrgbClr r="0" g="0" b="0"/>
+      </a:fillRef>
+      <a:effectRef idx="0">
+        <a:scrgbClr r="0" g="0" b="0"/>
+      </a:effectRef>
+      <a:fontRef idx="minor">
+        <a:schemeClr val="lt1"/>
+      </a:fontRef>
+    </dgm:style>
+  </dgm:styleLbl>
+  <dgm:styleLbl name="parChTrans2D3">
+    <dgm:scene3d>
+      <a:camera prst="orthographicFront"/>
+      <a:lightRig rig="threePt" dir="t"/>
+    </dgm:scene3d>
+    <dgm:sp3d/>
+    <dgm:txPr/>
+    <dgm:style>
+      <a:lnRef idx="2">
+        <a:scrgbClr r="0" g="0" b="0"/>
+      </a:lnRef>
+      <a:fillRef idx="1">
+        <a:scrgbClr r="0" g="0" b="0"/>
+      </a:fillRef>
+      <a:effectRef idx="0">
+        <a:scrgbClr r="0" g="0" b="0"/>
+      </a:effectRef>
+      <a:fontRef idx="minor">
+        <a:schemeClr val="lt1"/>
+      </a:fontRef>
+    </dgm:style>
+  </dgm:styleLbl>
+  <dgm:styleLbl name="parChTrans2D4">
+    <dgm:scene3d>
+      <a:camera prst="orthographicFront"/>
+      <a:lightRig rig="threePt" dir="t"/>
+    </dgm:scene3d>
+    <dgm:sp3d/>
+    <dgm:txPr/>
+    <dgm:style>
+      <a:lnRef idx="2">
+        <a:scrgbClr r="0" g="0" b="0"/>
+      </a:lnRef>
+      <a:fillRef idx="1">
+        <a:scrgbClr r="0" g="0" b="0"/>
+      </a:fillRef>
+      <a:effectRef idx="0">
+        <a:scrgbClr r="0" g="0" b="0"/>
+      </a:effectRef>
+      <a:fontRef idx="minor">
+        <a:schemeClr val="lt1"/>
+      </a:fontRef>
+    </dgm:style>
+  </dgm:styleLbl>
+  <dgm:styleLbl name="parChTrans1D1">
+    <dgm:scene3d>
+      <a:camera prst="orthographicFront"/>
+      <a:lightRig rig="threePt" dir="t"/>
+    </dgm:scene3d>
+    <dgm:sp3d/>
+    <dgm:txPr/>
+    <dgm:style>
+      <a:lnRef idx="2">
+        <a:scrgbClr r="0" g="0" b="0"/>
+      </a:lnRef>
+      <a:fillRef idx="0">
+        <a:scrgbClr r="0" g="0" b="0"/>
+      </a:fillRef>
+      <a:effectRef idx="0">
+        <a:scrgbClr r="0" g="0" b="0"/>
+      </a:effectRef>
+      <a:fontRef idx="minor"/>
+    </dgm:style>
+  </dgm:styleLbl>
+  <dgm:styleLbl name="parChTrans1D2">
+    <dgm:scene3d>
+      <a:camera prst="orthographicFront"/>
+      <a:lightRig rig="threePt" dir="t"/>
+    </dgm:scene3d>
+    <dgm:sp3d/>
+    <dgm:txPr/>
+    <dgm:style>
+      <a:lnRef idx="2">
+        <a:scrgbClr r="0" g="0" b="0"/>
+      </a:lnRef>
+      <a:fillRef idx="0">
+        <a:scrgbClr r="0" g="0" b="0"/>
+      </a:fillRef>
+      <a:effectRef idx="0">
+        <a:scrgbClr r="0" g="0" b="0"/>
+      </a:effectRef>
+      <a:fontRef idx="minor"/>
+    </dgm:style>
+  </dgm:styleLbl>
+  <dgm:styleLbl name="parChTrans1D3">
+    <dgm:scene3d>
+      <a:camera prst="orthographicFront"/>
+      <a:lightRig rig="threePt" dir="t"/>
+    </dgm:scene3d>
+    <dgm:sp3d/>
+    <dgm:txPr/>
+    <dgm:style>
+      <a:lnRef idx="2">
+        <a:scrgbClr r="0" g="0" b="0"/>
+      </a:lnRef>
+      <a:fillRef idx="0">
+        <a:scrgbClr r="0" g="0" b="0"/>
+      </a:fillRef>
+      <a:effectRef idx="0">
+        <a:scrgbClr r="0" g="0" b="0"/>
+      </a:effectRef>
+      <a:fontRef idx="minor"/>
+    </dgm:style>
+  </dgm:styleLbl>
+  <dgm:styleLbl name="parChTrans1D4">
+    <dgm:scene3d>
+      <a:camera prst="orthographicFront"/>
+      <a:lightRig rig="threePt" dir="t"/>
+    </dgm:scene3d>
+    <dgm:sp3d/>
+    <dgm:txPr/>
+    <dgm:style>
+      <a:lnRef idx="2">
+        <a:scrgbClr r="0" g="0" b="0"/>
+      </a:lnRef>
+      <a:fillRef idx="0">
+        <a:scrgbClr r="0" g="0" b="0"/>
+      </a:fillRef>
+      <a:effectRef idx="0">
+        <a:scrgbClr r="0" g="0" b="0"/>
+      </a:effectRef>
+      <a:fontRef idx="minor"/>
+    </dgm:style>
+  </dgm:styleLbl>
+  <dgm:styleLbl name="fgAcc1">
+    <dgm:scene3d>
+      <a:camera prst="orthographicFront"/>
+      <a:lightRig rig="threePt" dir="t"/>
+    </dgm:scene3d>
+    <dgm:sp3d/>
+    <dgm:txPr/>
+    <dgm:style>
+      <a:lnRef idx="2">
+        <a:scrgbClr r="0" g="0" b="0"/>
+      </a:lnRef>
+      <a:fillRef idx="1">
+        <a:scrgbClr r="0" g="0" b="0"/>
+      </a:fillRef>
+      <a:effectRef idx="0">
+        <a:scrgbClr r="0" g="0" b="0"/>
+      </a:effectRef>
+      <a:fontRef idx="minor"/>
+    </dgm:style>
+  </dgm:styleLbl>
+  <dgm:styleLbl name="conFgAcc1">
+    <dgm:scene3d>
+      <a:camera prst="orthographicFront"/>
+      <a:lightRig rig="threePt" dir="t"/>
+    </dgm:scene3d>
+    <dgm:sp3d/>
+    <dgm:txPr/>
+    <dgm:style>
+      <a:lnRef idx="2">
+        <a:scrgbClr r="0" g="0" b="0"/>
+      </a:lnRef>
+      <a:fillRef idx="1">
+        <a:scrgbClr r="0" g="0" b="0"/>
+      </a:fillRef>
+      <a:effectRef idx="0">
+        <a:scrgbClr r="0" g="0" b="0"/>
+      </a:effectRef>
+      <a:fontRef idx="minor"/>
+    </dgm:style>
+  </dgm:styleLbl>
+  <dgm:styleLbl name="alignAcc1">
+    <dgm:scene3d>
+      <a:camera prst="orthographicFront"/>
+      <a:lightRig rig="threePt" dir="t"/>
+    </dgm:scene3d>
+    <dgm:sp3d/>
+    <dgm:txPr/>
+    <dgm:style>
+      <a:lnRef idx="2">
+        <a:scrgbClr r="0" g="0" b="0"/>
+      </a:lnRef>
+      <a:fillRef idx="1">
+        <a:scrgbClr r="0" g="0" b="0"/>
+      </a:fillRef>
+      <a:effectRef idx="0">
+        <a:scrgbClr r="0" g="0" b="0"/>
+      </a:effectRef>
+      <a:fontRef idx="minor"/>
+    </dgm:style>
+  </dgm:styleLbl>
+  <dgm:styleLbl name="trAlignAcc1">
+    <dgm:scene3d>
+      <a:camera prst="orthographicFront"/>
+      <a:lightRig rig="threePt" dir="t"/>
+    </dgm:scene3d>
+    <dgm:sp3d/>
+    <dgm:txPr/>
+    <dgm:style>
+      <a:lnRef idx="1">
+        <a:scrgbClr r="0" g="0" b="0"/>
+      </a:lnRef>
+      <a:fillRef idx="1">
+        <a:scrgbClr r="0" g="0" b="0"/>
+      </a:fillRef>
+      <a:effectRef idx="0">
+        <a:scrgbClr r="0" g="0" b="0"/>
+      </a:effectRef>
+      <a:fontRef idx="minor"/>
+    </dgm:style>
+  </dgm:styleLbl>
+  <dgm:styleLbl name="bgAcc1">
+    <dgm:scene3d>
+      <a:camera prst="orthographicFront"/>
+      <a:lightRig rig="threePt" dir="t"/>
+    </dgm:scene3d>
+    <dgm:sp3d/>
+    <dgm:txPr/>
+    <dgm:style>
+      <a:lnRef idx="2">
+        <a:scrgbClr r="0" g="0" b="0"/>
+      </a:lnRef>
+      <a:fillRef idx="1">
+        <a:scrgbClr r="0" g="0" b="0"/>
+      </a:fillRef>
+      <a:effectRef idx="0">
+        <a:scrgbClr r="0" g="0" b="0"/>
+      </a:effectRef>
+      <a:fontRef idx="minor"/>
+    </dgm:style>
+  </dgm:styleLbl>
+  <dgm:styleLbl name="solidFgAcc1">
+    <dgm:scene3d>
+      <a:camera prst="orthographicFront"/>
+      <a:lightRig rig="threePt" dir="t"/>
+    </dgm:scene3d>
+    <dgm:sp3d/>
+    <dgm:txPr/>
+    <dgm:style>
+      <a:lnRef idx="2">
+        <a:scrgbClr r="0" g="0" b="0"/>
+      </a:lnRef>
+      <a:fillRef idx="1">
+        <a:scrgbClr r="0" g="0" b="0"/>
+      </a:fillRef>
+      <a:effectRef idx="0">
+        <a:scrgbClr r="0" g="0" b="0"/>
+      </a:effectRef>
+      <a:fontRef idx="minor"/>
+    </dgm:style>
+  </dgm:styleLbl>
+  <dgm:styleLbl name="solidAlignAcc1">
+    <dgm:scene3d>
+      <a:camera prst="orthographicFront"/>
+      <a:lightRig rig="threePt" dir="t"/>
+    </dgm:scene3d>
+    <dgm:sp3d/>
+    <dgm:txPr/>
+    <dgm:style>
+      <a:lnRef idx="2">
+        <a:scrgbClr r="0" g="0" b="0"/>
+      </a:lnRef>
+      <a:fillRef idx="1">
+        <a:scrgbClr r="0" g="0" b="0"/>
+      </a:fillRef>
+      <a:effectRef idx="0">
+        <a:scrgbClr r="0" g="0" b="0"/>
+      </a:effectRef>
+      <a:fontRef idx="minor"/>
+    </dgm:style>
+  </dgm:styleLbl>
+  <dgm:styleLbl name="solidBgAcc1">
+    <dgm:scene3d>
+      <a:camera prst="orthographicFront"/>
+      <a:lightRig rig="threePt" dir="t"/>
+    </dgm:scene3d>
+    <dgm:sp3d/>
+    <dgm:txPr/>
+    <dgm:style>
+      <a:lnRef idx="2">
+        <a:scrgbClr r="0" g="0" b="0"/>
+      </a:lnRef>
+      <a:fillRef idx="1">
+        <a:scrgbClr r="0" g="0" b="0"/>
+      </a:fillRef>
+      <a:effectRef idx="0">
+        <a:scrgbClr r="0" g="0" b="0"/>
+      </a:effectRef>
+      <a:fontRef idx="minor"/>
+    </dgm:style>
+  </dgm:styleLbl>
+  <dgm:styleLbl name="fgAccFollowNode1">
+    <dgm:scene3d>
+      <a:camera prst="orthographicFront"/>
+      <a:lightRig rig="threePt" dir="t"/>
+    </dgm:scene3d>
+    <dgm:sp3d/>
+    <dgm:txPr/>
+    <dgm:style>
+      <a:lnRef idx="2">
+        <a:scrgbClr r="0" g="0" b="0"/>
+      </a:lnRef>
+      <a:fillRef idx="1">
+        <a:scrgbClr r="0" g="0" b="0"/>
+      </a:fillRef>
+      <a:effectRef idx="0">
+        <a:scrgbClr r="0" g="0" b="0"/>
+      </a:effectRef>
+      <a:fontRef idx="minor"/>
+    </dgm:style>
+  </dgm:styleLbl>
+  <dgm:styleLbl name="alignAccFollowNode1">
+    <dgm:scene3d>
+      <a:camera prst="orthographicFront"/>
+      <a:lightRig rig="threePt" dir="t"/>
+    </dgm:scene3d>
+    <dgm:sp3d/>
+    <dgm:txPr/>
+    <dgm:style>
+      <a:lnRef idx="2">
+        <a:scrgbClr r="0" g="0" b="0"/>
+      </a:lnRef>
+      <a:fillRef idx="1">
+        <a:scrgbClr r="0" g="0" b="0"/>
+      </a:fillRef>
+      <a:effectRef idx="0">
+        <a:scrgbClr r="0" g="0" b="0"/>
+      </a:effectRef>
+      <a:fontRef idx="minor"/>
+    </dgm:style>
+  </dgm:styleLbl>
+  <dgm:styleLbl name="bgAccFollowNode1">
+    <dgm:scene3d>
+      <a:camera prst="orthographicFront"/>
+      <a:lightRig rig="threePt" dir="t"/>
+    </dgm:scene3d>
+    <dgm:sp3d/>
+    <dgm:txPr/>
+    <dgm:style>
+      <a:lnRef idx="2">
+        <a:scrgbClr r="0" g="0" b="0"/>
+      </a:lnRef>
+      <a:fillRef idx="1">
+        <a:scrgbClr r="0" g="0" b="0"/>
+      </a:fillRef>
+      <a:effectRef idx="0">
+        <a:scrgbClr r="0" g="0" b="0"/>
+      </a:effectRef>
+      <a:fontRef idx="minor"/>
+    </dgm:style>
+  </dgm:styleLbl>
+  <dgm:styleLbl name="fgAcc0">
+    <dgm:scene3d>
+      <a:camera prst="orthographicFront"/>
+      <a:lightRig rig="threePt" dir="t"/>
+    </dgm:scene3d>
+    <dgm:sp3d/>
+    <dgm:txPr/>
+    <dgm:style>
+      <a:lnRef idx="2">
+        <a:scrgbClr r="0" g="0" b="0"/>
+      </a:lnRef>
+      <a:fillRef idx="1">
+        <a:scrgbClr r="0" g="0" b="0"/>
+      </a:fillRef>
+      <a:effectRef idx="0">
+        <a:scrgbClr r="0" g="0" b="0"/>
+      </a:effectRef>
+      <a:fontRef idx="minor"/>
+    </dgm:style>
+  </dgm:styleLbl>
+  <dgm:styleLbl name="fgAcc2">
+    <dgm:scene3d>
+      <a:camera prst="orthographicFront"/>
+      <a:lightRig rig="threePt" dir="t"/>
+    </dgm:scene3d>
+    <dgm:sp3d/>
+    <dgm:txPr/>
+    <dgm:style>
+      <a:lnRef idx="2">
+        <a:scrgbClr r="0" g="0" b="0"/>
+      </a:lnRef>
+      <a:fillRef idx="1">
+        <a:scrgbClr r="0" g="0" b="0"/>
+      </a:fillRef>
+      <a:effectRef idx="0">
+        <a:scrgbClr r="0" g="0" b="0"/>
+      </a:effectRef>
+      <a:fontRef idx="minor"/>
+    </dgm:style>
+  </dgm:styleLbl>
+  <dgm:styleLbl name="fgAcc3">
+    <dgm:scene3d>
+      <a:camera prst="orthographicFront"/>
+      <a:lightRig rig="threePt" dir="t"/>
+    </dgm:scene3d>
+    <dgm:sp3d/>
+    <dgm:txPr/>
+    <dgm:style>
+      <a:lnRef idx="2">
+        <a:scrgbClr r="0" g="0" b="0"/>
+      </a:lnRef>
+      <a:fillRef idx="1">
+        <a:scrgbClr r="0" g="0" b="0"/>
+      </a:fillRef>
+      <a:effectRef idx="0">
+        <a:scrgbClr r="0" g="0" b="0"/>
+      </a:effectRef>
+      <a:fontRef idx="minor"/>
+    </dgm:style>
+  </dgm:styleLbl>
+  <dgm:styleLbl name="fgAcc4">
+    <dgm:scene3d>
+      <a:camera prst="orthographicFront"/>
+      <a:lightRig rig="threePt" dir="t"/>
+    </dgm:scene3d>
+    <dgm:sp3d/>
+    <dgm:txPr/>
+    <dgm:style>
+      <a:lnRef idx="2">
+        <a:scrgbClr r="0" g="0" b="0"/>
+      </a:lnRef>
+      <a:fillRef idx="1">
+        <a:scrgbClr r="0" g="0" b="0"/>
+      </a:fillRef>
+      <a:effectRef idx="0">
+        <a:scrgbClr r="0" g="0" b="0"/>
+      </a:effectRef>
+      <a:fontRef idx="minor"/>
+    </dgm:style>
+  </dgm:styleLbl>
+  <dgm:styleLbl name="bgShp">
+    <dgm:scene3d>
+      <a:camera prst="orthographicFront"/>
+      <a:lightRig rig="threePt" dir="t"/>
+    </dgm:scene3d>
+    <dgm:sp3d/>
+    <dgm:txPr/>
+    <dgm:style>
+      <a:lnRef idx="0">
+        <a:scrgbClr r="0" g="0" b="0"/>
+      </a:lnRef>
+      <a:fillRef idx="1">
+        <a:scrgbClr r="0" g="0" b="0"/>
+      </a:fillRef>
+      <a:effectRef idx="0">
+        <a:scrgbClr r="0" g="0" b="0"/>
+      </a:effectRef>
+      <a:fontRef idx="minor"/>
+    </dgm:style>
+  </dgm:styleLbl>
+  <dgm:styleLbl name="dkBgShp">
+    <dgm:scene3d>
+      <a:camera prst="orthographicFront"/>
+      <a:lightRig rig="threePt" dir="t"/>
+    </dgm:scene3d>
+    <dgm:sp3d/>
+    <dgm:txPr/>
+    <dgm:style>
+      <a:lnRef idx="0">
+        <a:scrgbClr r="0" g="0" b="0"/>
+      </a:lnRef>
+      <a:fillRef idx="1">
+        <a:scrgbClr r="0" g="0" b="0"/>
+      </a:fillRef>
+      <a:effectRef idx="0">
+        <a:scrgbClr r="0" g="0" b="0"/>
+      </a:effectRef>
+      <a:fontRef idx="minor"/>
+    </dgm:style>
+  </dgm:styleLbl>
+  <dgm:styleLbl name="trBgShp">
+    <dgm:scene3d>
+      <a:camera prst="orthographicFront"/>
+      <a:lightRig rig="threePt" dir="t"/>
+    </dgm:scene3d>
+    <dgm:sp3d/>
+    <dgm:txPr/>
+    <dgm:style>
+      <a:lnRef idx="0">
+        <a:scrgbClr r="0" g="0" b="0"/>
+      </a:lnRef>
+      <a:fillRef idx="1">
+        <a:scrgbClr r="0" g="0" b="0"/>
+      </a:fillRef>
+      <a:effectRef idx="0">
+        <a:scrgbClr r="0" g="0" b="0"/>
+      </a:effectRef>
+      <a:fontRef idx="minor"/>
+    </dgm:style>
+  </dgm:styleLbl>
+  <dgm:styleLbl name="fgShp">
+    <dgm:scene3d>
+      <a:camera prst="orthographicFront"/>
+      <a:lightRig rig="threePt" dir="t"/>
+    </dgm:scene3d>
+    <dgm:sp3d/>
+    <dgm:txPr/>
+    <dgm:style>
+      <a:lnRef idx="2">
+        <a:scrgbClr r="0" g="0" b="0"/>
+      </a:lnRef>
+      <a:fillRef idx="1">
+        <a:scrgbClr r="0" g="0" b="0"/>
+      </a:fillRef>
+      <a:effectRef idx="0">
+        <a:scrgbClr r="0" g="0" b="0"/>
+      </a:effectRef>
+      <a:fontRef idx="minor"/>
+    </dgm:style>
+  </dgm:styleLbl>
+  <dgm:styleLbl name="revTx">
+    <dgm:scene3d>
+      <a:camera prst="orthographicFront"/>
+      <a:lightRig rig="threePt" dir="t"/>
+    </dgm:scene3d>
+    <dgm:sp3d/>
+    <dgm:txPr/>
+    <dgm:style>
+      <a:lnRef idx="0">
+        <a:scrgbClr r="0" g="0" b="0"/>
+      </a:lnRef>
+      <a:fillRef idx="0">
+        <a:scrgbClr r="0" g="0" b="0"/>
+      </a:fillRef>
+      <a:effectRef idx="0">
+        <a:scrgbClr r="0" g="0" b="0"/>
+      </a:effectRef>
+      <a:fontRef idx="minor"/>
+    </dgm:style>
+  </dgm:styleLbl>
+</dgm:styleDef>
 </file>
 
 <file path=ppt/slideLayouts/slideLayout1.xml><?xml version="1.0" encoding="utf-8"?>
@@ -7186,6 +9821,611 @@
 </p:sld>
 </file>
 
+<file path=ppt/slides/slide6.xml><?xml version="1.0" encoding="utf-8"?>
+<p:sld xmlns:a="http://schemas.openxmlformats.org/drawingml/2006/main" xmlns:r="http://schemas.openxmlformats.org/officeDocument/2006/relationships" xmlns:p="http://schemas.openxmlformats.org/presentationml/2006/main">
+  <p:cSld>
+    <p:bg>
+      <p:bgPr>
+        <a:solidFill>
+          <a:schemeClr val="bg2"/>
+        </a:solidFill>
+        <a:effectLst/>
+      </p:bgPr>
+    </p:bg>
+    <p:spTree>
+      <p:nvGrpSpPr>
+        <p:cNvPr id="1" name=""/>
+        <p:cNvGrpSpPr/>
+        <p:nvPr/>
+      </p:nvGrpSpPr>
+      <p:grpSpPr>
+        <a:xfrm>
+          <a:off x="0" y="0"/>
+          <a:ext cx="0" cy="0"/>
+          <a:chOff x="0" y="0"/>
+          <a:chExt cx="0" cy="0"/>
+        </a:xfrm>
+      </p:grpSpPr>
+      <p:sp useBgFill="1">
+        <p:nvSpPr>
+          <p:cNvPr id="8" name="Rectangle 7">
+            <a:extLst>
+              <a:ext uri="{FF2B5EF4-FFF2-40B4-BE49-F238E27FC236}">
+                <a16:creationId xmlns:a16="http://schemas.microsoft.com/office/drawing/2014/main" id="{C5176844-69C3-4F79-BE38-EA5BDDF4FEA4}"/>
+              </a:ext>
+              <a:ext uri="{C183D7F6-B498-43B3-948B-1728B52AA6E4}">
+                <adec:decorative xmlns:adec="http://schemas.microsoft.com/office/drawing/2017/decorative" val="1"/>
+              </a:ext>
+            </a:extLst>
+          </p:cNvPr>
+          <p:cNvSpPr>
+            <a:spLocks noGrp="1" noRot="1" noChangeAspect="1" noMove="1" noResize="1" noEditPoints="1" noAdjustHandles="1" noChangeArrowheads="1" noChangeShapeType="1" noTextEdit="1"/>
+          </p:cNvSpPr>
+          <p:nvPr>
+            <p:extLst>
+              <p:ext uri="{386F3935-93C4-4BCD-93E2-E3B085C9AB24}">
+                <p16:designElem xmlns:p16="http://schemas.microsoft.com/office/powerpoint/2015/main" val="1"/>
+              </p:ext>
+            </p:extLst>
+          </p:nvPr>
+        </p:nvSpPr>
+        <p:spPr>
+          <a:xfrm>
+            <a:off x="0" y="0"/>
+            <a:ext cx="12192000" cy="6858000"/>
+          </a:xfrm>
+          <a:prstGeom prst="rect">
+            <a:avLst/>
+          </a:prstGeom>
+          <a:ln>
+            <a:noFill/>
+          </a:ln>
+        </p:spPr>
+        <p:style>
+          <a:lnRef idx="2">
+            <a:schemeClr val="accent1">
+              <a:shade val="50000"/>
+            </a:schemeClr>
+          </a:lnRef>
+          <a:fillRef idx="1">
+            <a:schemeClr val="accent1"/>
+          </a:fillRef>
+          <a:effectRef idx="0">
+            <a:schemeClr val="accent1"/>
+          </a:effectRef>
+          <a:fontRef idx="minor">
+            <a:schemeClr val="lt1"/>
+          </a:fontRef>
+        </p:style>
+        <p:txBody>
+          <a:bodyPr rtlCol="0" anchor="ctr"/>
+          <a:lstStyle/>
+          <a:p>
+            <a:pPr algn="ctr"/>
+            <a:endParaRPr lang="en-US"/>
+          </a:p>
+        </p:txBody>
+      </p:sp>
+      <p:sp>
+        <p:nvSpPr>
+          <p:cNvPr id="10" name="Rectangle 9">
+            <a:extLst>
+              <a:ext uri="{FF2B5EF4-FFF2-40B4-BE49-F238E27FC236}">
+                <a16:creationId xmlns:a16="http://schemas.microsoft.com/office/drawing/2014/main" id="{1CF1AAE4-D0BC-430F-A613-7BBAAECA0C2D}"/>
+              </a:ext>
+              <a:ext uri="{C183D7F6-B498-43B3-948B-1728B52AA6E4}">
+                <adec:decorative xmlns:adec="http://schemas.microsoft.com/office/drawing/2017/decorative" val="1"/>
+              </a:ext>
+            </a:extLst>
+          </p:cNvPr>
+          <p:cNvSpPr>
+            <a:spLocks noGrp="1" noRot="1" noChangeAspect="1" noMove="1" noResize="1" noEditPoints="1" noAdjustHandles="1" noChangeArrowheads="1" noChangeShapeType="1" noTextEdit="1"/>
+          </p:cNvSpPr>
+          <p:nvPr>
+            <p:extLst>
+              <p:ext uri="{386F3935-93C4-4BCD-93E2-E3B085C9AB24}">
+                <p16:designElem xmlns:p16="http://schemas.microsoft.com/office/powerpoint/2015/main" val="1"/>
+              </p:ext>
+            </p:extLst>
+          </p:nvPr>
+        </p:nvSpPr>
+        <p:spPr>
+          <a:xfrm>
+            <a:off x="0" y="0"/>
+            <a:ext cx="12191999" cy="2285999"/>
+          </a:xfrm>
+          <a:prstGeom prst="rect">
+            <a:avLst/>
+          </a:prstGeom>
+          <a:solidFill>
+            <a:schemeClr val="tx1">
+              <a:lumMod val="85000"/>
+              <a:lumOff val="15000"/>
+            </a:schemeClr>
+          </a:solidFill>
+          <a:ln>
+            <a:noFill/>
+          </a:ln>
+        </p:spPr>
+        <p:style>
+          <a:lnRef idx="2">
+            <a:schemeClr val="accent1">
+              <a:shade val="50000"/>
+            </a:schemeClr>
+          </a:lnRef>
+          <a:fillRef idx="1">
+            <a:schemeClr val="accent1"/>
+          </a:fillRef>
+          <a:effectRef idx="0">
+            <a:schemeClr val="accent1"/>
+          </a:effectRef>
+          <a:fontRef idx="minor">
+            <a:schemeClr val="lt1"/>
+          </a:fontRef>
+        </p:style>
+        <p:txBody>
+          <a:bodyPr rtlCol="0" anchor="ctr"/>
+          <a:lstStyle/>
+          <a:p>
+            <a:pPr algn="ctr"/>
+            <a:endParaRPr lang="en-US"/>
+          </a:p>
+        </p:txBody>
+      </p:sp>
+      <p:sp>
+        <p:nvSpPr>
+          <p:cNvPr id="2" name="Title 1">
+            <a:extLst>
+              <a:ext uri="{FF2B5EF4-FFF2-40B4-BE49-F238E27FC236}">
+                <a16:creationId xmlns:a16="http://schemas.microsoft.com/office/drawing/2014/main" id="{32BB2DEE-E464-DBB3-B67A-13B12768062F}"/>
+              </a:ext>
+            </a:extLst>
+          </p:cNvPr>
+          <p:cNvSpPr>
+            <a:spLocks noGrp="1"/>
+          </p:cNvSpPr>
+          <p:nvPr>
+            <p:ph type="title"/>
+          </p:nvPr>
+        </p:nvSpPr>
+        <p:spPr>
+          <a:xfrm>
+            <a:off x="758952" y="379475"/>
+            <a:ext cx="10671048" cy="1554480"/>
+          </a:xfrm>
+        </p:spPr>
+        <p:txBody>
+          <a:bodyPr anchor="ctr">
+            <a:normAutofit/>
+          </a:bodyPr>
+          <a:lstStyle/>
+          <a:p>
+            <a:r>
+              <a:rPr lang="en-US" dirty="0">
+                <a:solidFill>
+                  <a:schemeClr val="bg1"/>
+                </a:solidFill>
+              </a:rPr>
+              <a:t>Snowflake(</a:t>
+            </a:r>
+            <a:r>
+              <a:rPr lang="en-US" dirty="0">
+                <a:solidFill>
+                  <a:srgbClr val="0070C0"/>
+                </a:solidFill>
+              </a:rPr>
+              <a:t>GCP</a:t>
+            </a:r>
+            <a:r>
+              <a:rPr lang="en-US" dirty="0">
+                <a:solidFill>
+                  <a:schemeClr val="bg1"/>
+                </a:solidFill>
+              </a:rPr>
+              <a:t>) Pricing</a:t>
+            </a:r>
+            <a:endParaRPr lang="en-NL" dirty="0">
+              <a:solidFill>
+                <a:schemeClr val="bg1"/>
+              </a:solidFill>
+            </a:endParaRPr>
+          </a:p>
+        </p:txBody>
+      </p:sp>
+      <p:sp>
+        <p:nvSpPr>
+          <p:cNvPr id="3" name="Content Placeholder 2">
+            <a:extLst>
+              <a:ext uri="{FF2B5EF4-FFF2-40B4-BE49-F238E27FC236}">
+                <a16:creationId xmlns:a16="http://schemas.microsoft.com/office/drawing/2014/main" id="{97CA5FDB-0892-CBEC-9907-DFFB9222D45C}"/>
+              </a:ext>
+            </a:extLst>
+          </p:cNvPr>
+          <p:cNvSpPr>
+            <a:spLocks noGrp="1"/>
+          </p:cNvSpPr>
+          <p:nvPr>
+            <p:ph idx="1"/>
+          </p:nvPr>
+        </p:nvSpPr>
+        <p:spPr>
+          <a:xfrm>
+            <a:off x="758824" y="2607732"/>
+            <a:ext cx="8412480" cy="3174357"/>
+          </a:xfrm>
+        </p:spPr>
+        <p:txBody>
+          <a:bodyPr>
+            <a:normAutofit/>
+          </a:bodyPr>
+          <a:lstStyle/>
+          <a:p>
+            <a:r>
+              <a:rPr lang="en-US" dirty="0"/>
+              <a:t>Approximate Snowflake credits usage -&gt; ~1000 per month.</a:t>
+            </a:r>
+          </a:p>
+          <a:p>
+            <a:r>
+              <a:rPr lang="en-US" dirty="0"/>
+              <a:t>$20 per TB per month (Netherlands).</a:t>
+            </a:r>
+          </a:p>
+          <a:p>
+            <a:r>
+              <a:rPr lang="en-US" u="sng" dirty="0"/>
+              <a:t>$2620 per month.</a:t>
+            </a:r>
+          </a:p>
+          <a:p>
+            <a:endParaRPr lang="en-NL" dirty="0"/>
+          </a:p>
+        </p:txBody>
+      </p:sp>
+      <p:sp>
+        <p:nvSpPr>
+          <p:cNvPr id="12" name="Freeform 6">
+            <a:extLst>
+              <a:ext uri="{FF2B5EF4-FFF2-40B4-BE49-F238E27FC236}">
+                <a16:creationId xmlns:a16="http://schemas.microsoft.com/office/drawing/2014/main" id="{A101E513-AF74-4E9D-A31F-99664250722D}"/>
+              </a:ext>
+              <a:ext uri="{C183D7F6-B498-43B3-948B-1728B52AA6E4}">
+                <adec:decorative xmlns:adec="http://schemas.microsoft.com/office/drawing/2017/decorative" val="1"/>
+              </a:ext>
+            </a:extLst>
+          </p:cNvPr>
+          <p:cNvSpPr>
+            <a:spLocks noGrp="1" noRot="1" noChangeAspect="1" noMove="1" noResize="1" noEditPoints="1" noAdjustHandles="1" noChangeArrowheads="1" noChangeShapeType="1" noTextEdit="1"/>
+          </p:cNvSpPr>
+          <p:nvPr>
+            <p:extLst>
+              <p:ext uri="{386F3935-93C4-4BCD-93E2-E3B085C9AB24}">
+                <p16:designElem xmlns:p16="http://schemas.microsoft.com/office/powerpoint/2015/main" val="1"/>
+              </p:ext>
+            </p:extLst>
+          </p:nvPr>
+        </p:nvSpPr>
+        <p:spPr bwMode="auto">
+          <a:xfrm>
+            <a:off x="11784011" y="5783564"/>
+            <a:ext cx="407988" cy="819150"/>
+          </a:xfrm>
+          <a:custGeom>
+            <a:avLst/>
+            <a:gdLst/>
+            <a:ahLst/>
+            <a:cxnLst/>
+            <a:rect l="0" t="0" r="r" b="b"/>
+            <a:pathLst>
+              <a:path w="1799" h="3612">
+                <a:moveTo>
+                  <a:pt x="1799" y="0"/>
+                </a:moveTo>
+                <a:lnTo>
+                  <a:pt x="1799" y="3612"/>
+                </a:lnTo>
+                <a:lnTo>
+                  <a:pt x="1686" y="3609"/>
+                </a:lnTo>
+                <a:lnTo>
+                  <a:pt x="1574" y="3598"/>
+                </a:lnTo>
+                <a:lnTo>
+                  <a:pt x="1464" y="3581"/>
+                </a:lnTo>
+                <a:lnTo>
+                  <a:pt x="1357" y="3557"/>
+                </a:lnTo>
+                <a:lnTo>
+                  <a:pt x="1251" y="3527"/>
+                </a:lnTo>
+                <a:lnTo>
+                  <a:pt x="1150" y="3490"/>
+                </a:lnTo>
+                <a:lnTo>
+                  <a:pt x="1050" y="3448"/>
+                </a:lnTo>
+                <a:lnTo>
+                  <a:pt x="953" y="3401"/>
+                </a:lnTo>
+                <a:lnTo>
+                  <a:pt x="860" y="3347"/>
+                </a:lnTo>
+                <a:lnTo>
+                  <a:pt x="771" y="3289"/>
+                </a:lnTo>
+                <a:lnTo>
+                  <a:pt x="686" y="3224"/>
+                </a:lnTo>
+                <a:lnTo>
+                  <a:pt x="604" y="3156"/>
+                </a:lnTo>
+                <a:lnTo>
+                  <a:pt x="527" y="3083"/>
+                </a:lnTo>
+                <a:lnTo>
+                  <a:pt x="454" y="3005"/>
+                </a:lnTo>
+                <a:lnTo>
+                  <a:pt x="386" y="2923"/>
+                </a:lnTo>
+                <a:lnTo>
+                  <a:pt x="323" y="2838"/>
+                </a:lnTo>
+                <a:lnTo>
+                  <a:pt x="265" y="2748"/>
+                </a:lnTo>
+                <a:lnTo>
+                  <a:pt x="211" y="2655"/>
+                </a:lnTo>
+                <a:lnTo>
+                  <a:pt x="163" y="2559"/>
+                </a:lnTo>
+                <a:lnTo>
+                  <a:pt x="121" y="2459"/>
+                </a:lnTo>
+                <a:lnTo>
+                  <a:pt x="85" y="2356"/>
+                </a:lnTo>
+                <a:lnTo>
+                  <a:pt x="55" y="2251"/>
+                </a:lnTo>
+                <a:lnTo>
+                  <a:pt x="32" y="2143"/>
+                </a:lnTo>
+                <a:lnTo>
+                  <a:pt x="14" y="2033"/>
+                </a:lnTo>
+                <a:lnTo>
+                  <a:pt x="4" y="1920"/>
+                </a:lnTo>
+                <a:lnTo>
+                  <a:pt x="0" y="1806"/>
+                </a:lnTo>
+                <a:lnTo>
+                  <a:pt x="4" y="1692"/>
+                </a:lnTo>
+                <a:lnTo>
+                  <a:pt x="14" y="1580"/>
+                </a:lnTo>
+                <a:lnTo>
+                  <a:pt x="32" y="1469"/>
+                </a:lnTo>
+                <a:lnTo>
+                  <a:pt x="55" y="1362"/>
+                </a:lnTo>
+                <a:lnTo>
+                  <a:pt x="85" y="1256"/>
+                </a:lnTo>
+                <a:lnTo>
+                  <a:pt x="121" y="1154"/>
+                </a:lnTo>
+                <a:lnTo>
+                  <a:pt x="163" y="1054"/>
+                </a:lnTo>
+                <a:lnTo>
+                  <a:pt x="211" y="958"/>
+                </a:lnTo>
+                <a:lnTo>
+                  <a:pt x="265" y="864"/>
+                </a:lnTo>
+                <a:lnTo>
+                  <a:pt x="323" y="774"/>
+                </a:lnTo>
+                <a:lnTo>
+                  <a:pt x="386" y="689"/>
+                </a:lnTo>
+                <a:lnTo>
+                  <a:pt x="454" y="607"/>
+                </a:lnTo>
+                <a:lnTo>
+                  <a:pt x="527" y="529"/>
+                </a:lnTo>
+                <a:lnTo>
+                  <a:pt x="604" y="456"/>
+                </a:lnTo>
+                <a:lnTo>
+                  <a:pt x="686" y="388"/>
+                </a:lnTo>
+                <a:lnTo>
+                  <a:pt x="771" y="325"/>
+                </a:lnTo>
+                <a:lnTo>
+                  <a:pt x="860" y="266"/>
+                </a:lnTo>
+                <a:lnTo>
+                  <a:pt x="953" y="212"/>
+                </a:lnTo>
+                <a:lnTo>
+                  <a:pt x="1050" y="164"/>
+                </a:lnTo>
+                <a:lnTo>
+                  <a:pt x="1150" y="122"/>
+                </a:lnTo>
+                <a:lnTo>
+                  <a:pt x="1251" y="85"/>
+                </a:lnTo>
+                <a:lnTo>
+                  <a:pt x="1357" y="55"/>
+                </a:lnTo>
+                <a:lnTo>
+                  <a:pt x="1464" y="32"/>
+                </a:lnTo>
+                <a:lnTo>
+                  <a:pt x="1574" y="14"/>
+                </a:lnTo>
+                <a:lnTo>
+                  <a:pt x="1686" y="5"/>
+                </a:lnTo>
+                <a:lnTo>
+                  <a:pt x="1799" y="0"/>
+                </a:lnTo>
+                <a:close/>
+              </a:path>
+            </a:pathLst>
+          </a:custGeom>
+          <a:solidFill>
+            <a:schemeClr val="tx1">
+              <a:lumMod val="85000"/>
+              <a:lumOff val="15000"/>
+            </a:schemeClr>
+          </a:solidFill>
+          <a:ln w="0">
+            <a:noFill/>
+            <a:prstDash val="solid"/>
+            <a:round/>
+            <a:headEnd/>
+            <a:tailEnd/>
+          </a:ln>
+        </p:spPr>
+        <p:txBody>
+          <a:bodyPr anchor="ctr"/>
+          <a:lstStyle/>
+          <a:p>
+            <a:endParaRPr lang="en-US"/>
+          </a:p>
+        </p:txBody>
+      </p:sp>
+    </p:spTree>
+    <p:extLst>
+      <p:ext uri="{BB962C8B-B14F-4D97-AF65-F5344CB8AC3E}">
+        <p14:creationId xmlns:p14="http://schemas.microsoft.com/office/powerpoint/2010/main" val="2479709760"/>
+      </p:ext>
+    </p:extLst>
+  </p:cSld>
+  <p:clrMapOvr>
+    <a:masterClrMapping/>
+  </p:clrMapOvr>
+</p:sld>
+</file>
+
+<file path=ppt/slides/slide7.xml><?xml version="1.0" encoding="utf-8"?>
+<p:sld xmlns:a="http://schemas.openxmlformats.org/drawingml/2006/main" xmlns:r="http://schemas.openxmlformats.org/officeDocument/2006/relationships" xmlns:p="http://schemas.openxmlformats.org/presentationml/2006/main">
+  <p:cSld>
+    <p:spTree>
+      <p:nvGrpSpPr>
+        <p:cNvPr id="1" name=""/>
+        <p:cNvGrpSpPr/>
+        <p:nvPr/>
+      </p:nvGrpSpPr>
+      <p:grpSpPr>
+        <a:xfrm>
+          <a:off x="0" y="0"/>
+          <a:ext cx="0" cy="0"/>
+          <a:chOff x="0" y="0"/>
+          <a:chExt cx="0" cy="0"/>
+        </a:xfrm>
+      </p:grpSpPr>
+      <p:sp>
+        <p:nvSpPr>
+          <p:cNvPr id="2" name="Title 1">
+            <a:extLst>
+              <a:ext uri="{FF2B5EF4-FFF2-40B4-BE49-F238E27FC236}">
+                <a16:creationId xmlns:a16="http://schemas.microsoft.com/office/drawing/2014/main" id="{2BC9C7B1-1D81-C6C2-FB09-F5B894A6BF47}"/>
+              </a:ext>
+            </a:extLst>
+          </p:cNvPr>
+          <p:cNvSpPr>
+            <a:spLocks noGrp="1"/>
+          </p:cNvSpPr>
+          <p:nvPr>
+            <p:ph type="title"/>
+          </p:nvPr>
+        </p:nvSpPr>
+        <p:spPr>
+          <a:xfrm>
+            <a:off x="758951" y="758952"/>
+            <a:ext cx="5337049" cy="4754880"/>
+          </a:xfrm>
+        </p:spPr>
+        <p:txBody>
+          <a:bodyPr/>
+          <a:lstStyle/>
+          <a:p>
+            <a:r>
+              <a:rPr lang="en-US" dirty="0"/>
+              <a:t>Databricks(</a:t>
+            </a:r>
+            <a:r>
+              <a:rPr lang="en-US" dirty="0">
+                <a:solidFill>
+                  <a:srgbClr val="0070C0"/>
+                </a:solidFill>
+              </a:rPr>
+              <a:t>GCP</a:t>
+            </a:r>
+            <a:r>
+              <a:rPr lang="en-US" dirty="0"/>
+              <a:t>) Pricing</a:t>
+            </a:r>
+            <a:endParaRPr lang="en-NL" dirty="0"/>
+          </a:p>
+        </p:txBody>
+      </p:sp>
+      <p:graphicFrame>
+        <p:nvGraphicFramePr>
+          <p:cNvPr id="5" name="Content Placeholder 2">
+            <a:extLst>
+              <a:ext uri="{FF2B5EF4-FFF2-40B4-BE49-F238E27FC236}">
+                <a16:creationId xmlns:a16="http://schemas.microsoft.com/office/drawing/2014/main" id="{88B18BE9-759A-EA8D-D523-D9458CD07D02}"/>
+              </a:ext>
+            </a:extLst>
+          </p:cNvPr>
+          <p:cNvGraphicFramePr>
+            <a:graphicFrameLocks noGrp="1"/>
+          </p:cNvGraphicFramePr>
+          <p:nvPr>
+            <p:ph idx="1"/>
+            <p:extLst>
+              <p:ext uri="{D42A27DB-BD31-4B8C-83A1-F6EECF244321}">
+                <p14:modId xmlns:p14="http://schemas.microsoft.com/office/powerpoint/2010/main" val="903808144"/>
+              </p:ext>
+            </p:extLst>
+          </p:nvPr>
+        </p:nvGraphicFramePr>
+        <p:xfrm>
+          <a:off x="6096000" y="875489"/>
+          <a:ext cx="5515583" cy="4638343"/>
+        </p:xfrm>
+        <a:graphic>
+          <a:graphicData uri="http://schemas.openxmlformats.org/drawingml/2006/diagram">
+            <dgm:relIds xmlns:dgm="http://schemas.openxmlformats.org/drawingml/2006/diagram" xmlns:r="http://schemas.openxmlformats.org/officeDocument/2006/relationships" r:dm="rId2" r:lo="rId3" r:qs="rId4" r:cs="rId5"/>
+          </a:graphicData>
+        </a:graphic>
+      </p:graphicFrame>
+    </p:spTree>
+    <p:extLst>
+      <p:ext uri="{BB962C8B-B14F-4D97-AF65-F5344CB8AC3E}">
+        <p14:creationId xmlns:p14="http://schemas.microsoft.com/office/powerpoint/2010/main" val="861964978"/>
+      </p:ext>
+    </p:extLst>
+  </p:cSld>
+  <p:clrMapOvr>
+    <a:masterClrMapping/>
+  </p:clrMapOvr>
+</p:sld>
+</file>
+
 <file path=ppt/theme/theme1.xml><?xml version="1.0" encoding="utf-8"?>
 <a:theme xmlns:a="http://schemas.openxmlformats.org/drawingml/2006/main" name="HeadlinesVTI">
   <a:themeElements>

--- a/Simple use case cost comparison/ResearchCostMLLibraries.pptx
+++ b/Simple use case cost comparison/ResearchCostMLLibraries.pptx
@@ -12,6 +12,7 @@
     <p:sldId id="260" r:id="rId6"/>
     <p:sldId id="261" r:id="rId7"/>
     <p:sldId id="262" r:id="rId8"/>
+    <p:sldId id="263" r:id="rId9"/>
   </p:sldIdLst>
   <p:sldSz cx="12192000" cy="6858000"/>
   <p:notesSz cx="6858000" cy="9144000"/>
@@ -10426,6 +10427,93 @@
 </p:sld>
 </file>
 
+<file path=ppt/slides/slide8.xml><?xml version="1.0" encoding="utf-8"?>
+<p:sld xmlns:a="http://schemas.openxmlformats.org/drawingml/2006/main" xmlns:r="http://schemas.openxmlformats.org/officeDocument/2006/relationships" xmlns:p="http://schemas.openxmlformats.org/presentationml/2006/main">
+  <p:cSld>
+    <p:spTree>
+      <p:nvGrpSpPr>
+        <p:cNvPr id="1" name=""/>
+        <p:cNvGrpSpPr/>
+        <p:nvPr/>
+      </p:nvGrpSpPr>
+      <p:grpSpPr>
+        <a:xfrm>
+          <a:off x="0" y="0"/>
+          <a:ext cx="0" cy="0"/>
+          <a:chOff x="0" y="0"/>
+          <a:chExt cx="0" cy="0"/>
+        </a:xfrm>
+      </p:grpSpPr>
+      <p:sp>
+        <p:nvSpPr>
+          <p:cNvPr id="2" name="Title 1">
+            <a:extLst>
+              <a:ext uri="{FF2B5EF4-FFF2-40B4-BE49-F238E27FC236}">
+                <a16:creationId xmlns:a16="http://schemas.microsoft.com/office/drawing/2014/main" id="{FFBA84FF-B012-8F6C-CCEE-3F99442ADB05}"/>
+              </a:ext>
+            </a:extLst>
+          </p:cNvPr>
+          <p:cNvSpPr>
+            <a:spLocks noGrp="1"/>
+          </p:cNvSpPr>
+          <p:nvPr>
+            <p:ph type="title"/>
+          </p:nvPr>
+        </p:nvSpPr>
+        <p:spPr/>
+        <p:txBody>
+          <a:bodyPr/>
+          <a:lstStyle/>
+          <a:p>
+            <a:r>
+              <a:rPr lang="en-US" dirty="0"/>
+              <a:t>Google cloud provider</a:t>
+            </a:r>
+            <a:endParaRPr lang="en-NL" dirty="0"/>
+          </a:p>
+        </p:txBody>
+      </p:sp>
+      <p:sp>
+        <p:nvSpPr>
+          <p:cNvPr id="3" name="Content Placeholder 2">
+            <a:extLst>
+              <a:ext uri="{FF2B5EF4-FFF2-40B4-BE49-F238E27FC236}">
+                <a16:creationId xmlns:a16="http://schemas.microsoft.com/office/drawing/2014/main" id="{3683D2C4-C2F6-DC58-D9BD-9EB2DD48FE2B}"/>
+              </a:ext>
+            </a:extLst>
+          </p:cNvPr>
+          <p:cNvSpPr>
+            <a:spLocks noGrp="1"/>
+          </p:cNvSpPr>
+          <p:nvPr>
+            <p:ph idx="1"/>
+          </p:nvPr>
+        </p:nvSpPr>
+        <p:spPr/>
+        <p:txBody>
+          <a:bodyPr/>
+          <a:lstStyle/>
+          <a:p>
+            <a:r>
+              <a:rPr lang="en-US" u="sng" dirty="0"/>
+              <a:t>$2167 total price per month.</a:t>
+            </a:r>
+          </a:p>
+        </p:txBody>
+      </p:sp>
+    </p:spTree>
+    <p:extLst>
+      <p:ext uri="{BB962C8B-B14F-4D97-AF65-F5344CB8AC3E}">
+        <p14:creationId xmlns:p14="http://schemas.microsoft.com/office/powerpoint/2010/main" val="1122901229"/>
+      </p:ext>
+    </p:extLst>
+  </p:cSld>
+  <p:clrMapOvr>
+    <a:masterClrMapping/>
+  </p:clrMapOvr>
+</p:sld>
+</file>
+
 <file path=ppt/theme/theme1.xml><?xml version="1.0" encoding="utf-8"?>
 <a:theme xmlns:a="http://schemas.openxmlformats.org/drawingml/2006/main" name="HeadlinesVTI">
   <a:themeElements>

--- a/Simple use case cost comparison/ResearchCostMLLibraries.pptx
+++ b/Simple use case cost comparison/ResearchCostMLLibraries.pptx
@@ -13,6 +13,8 @@
     <p:sldId id="261" r:id="rId7"/>
     <p:sldId id="262" r:id="rId8"/>
     <p:sldId id="263" r:id="rId9"/>
+    <p:sldId id="264" r:id="rId10"/>
+    <p:sldId id="265" r:id="rId11"/>
   </p:sldIdLst>
   <p:sldSz cx="12192000" cy="6858000"/>
   <p:notesSz cx="6858000" cy="9144000"/>
@@ -7086,6 +7088,171 @@
 </p:sld>
 </file>
 
+<file path=ppt/slides/slide10.xml><?xml version="1.0" encoding="utf-8"?>
+<p:sld xmlns:a="http://schemas.openxmlformats.org/drawingml/2006/main" xmlns:r="http://schemas.openxmlformats.org/officeDocument/2006/relationships" xmlns:p="http://schemas.openxmlformats.org/presentationml/2006/main">
+  <p:cSld>
+    <p:spTree>
+      <p:nvGrpSpPr>
+        <p:cNvPr id="1" name=""/>
+        <p:cNvGrpSpPr/>
+        <p:nvPr/>
+      </p:nvGrpSpPr>
+      <p:grpSpPr>
+        <a:xfrm>
+          <a:off x="0" y="0"/>
+          <a:ext cx="0" cy="0"/>
+          <a:chOff x="0" y="0"/>
+          <a:chExt cx="0" cy="0"/>
+        </a:xfrm>
+      </p:grpSpPr>
+      <p:sp>
+        <p:nvSpPr>
+          <p:cNvPr id="2" name="Title 1">
+            <a:extLst>
+              <a:ext uri="{FF2B5EF4-FFF2-40B4-BE49-F238E27FC236}">
+                <a16:creationId xmlns:a16="http://schemas.microsoft.com/office/drawing/2014/main" id="{26DAC3B9-4C2C-6C65-82CA-5A4F9BFA3BCA}"/>
+              </a:ext>
+            </a:extLst>
+          </p:cNvPr>
+          <p:cNvSpPr>
+            <a:spLocks noGrp="1"/>
+          </p:cNvSpPr>
+          <p:nvPr>
+            <p:ph type="title"/>
+          </p:nvPr>
+        </p:nvSpPr>
+        <p:spPr/>
+        <p:txBody>
+          <a:bodyPr/>
+          <a:lstStyle/>
+          <a:p>
+            <a:r>
+              <a:rPr lang="en-US" dirty="0"/>
+              <a:t>Margin </a:t>
+            </a:r>
+            <a:r>
+              <a:rPr lang="en-US" dirty="0">
+                <a:solidFill>
+                  <a:srgbClr val="0070C0"/>
+                </a:solidFill>
+              </a:rPr>
+              <a:t>GCP- </a:t>
+            </a:r>
+            <a:r>
+              <a:rPr lang="en-US" dirty="0">
+                <a:solidFill>
+                  <a:schemeClr val="tx1"/>
+                </a:solidFill>
+              </a:rPr>
+              <a:t>Databricks</a:t>
+            </a:r>
+            <a:r>
+              <a:rPr lang="en-US" dirty="0">
+                <a:solidFill>
+                  <a:srgbClr val="0070C0"/>
+                </a:solidFill>
+              </a:rPr>
+              <a:t>(GCP)</a:t>
+            </a:r>
+            <a:r>
+              <a:rPr lang="en-US" dirty="0"/>
+              <a:t> monthly</a:t>
+            </a:r>
+            <a:endParaRPr lang="en-NL" dirty="0"/>
+          </a:p>
+        </p:txBody>
+      </p:sp>
+      <p:sp>
+        <p:nvSpPr>
+          <p:cNvPr id="3" name="Content Placeholder 2">
+            <a:extLst>
+              <a:ext uri="{FF2B5EF4-FFF2-40B4-BE49-F238E27FC236}">
+                <a16:creationId xmlns:a16="http://schemas.microsoft.com/office/drawing/2014/main" id="{CA2901B5-6D2D-9672-49A6-6846DCD630CA}"/>
+              </a:ext>
+            </a:extLst>
+          </p:cNvPr>
+          <p:cNvSpPr>
+            <a:spLocks noGrp="1"/>
+          </p:cNvSpPr>
+          <p:nvPr>
+            <p:ph idx="1"/>
+          </p:nvPr>
+        </p:nvSpPr>
+        <p:spPr/>
+        <p:txBody>
+          <a:bodyPr/>
+          <a:lstStyle/>
+          <a:p>
+            <a:r>
+              <a:rPr lang="en-US" sz="1800" dirty="0">
+                <a:effectLst/>
+                <a:latin typeface="Calibri" panose="020F0502020204030204" pitchFamily="34" charset="0"/>
+                <a:ea typeface="Calibri" panose="020F0502020204030204" pitchFamily="34" charset="0"/>
+                <a:cs typeface="Times New Roman" panose="02020603050405020304" pitchFamily="18" charset="0"/>
+              </a:rPr>
+              <a:t>$2620 - $</a:t>
+            </a:r>
+            <a:r>
+              <a:rPr lang="en-US" sz="1800" dirty="0">
+                <a:solidFill>
+                  <a:srgbClr val="171717"/>
+                </a:solidFill>
+                <a:effectLst/>
+                <a:latin typeface="Calibri" panose="020F0502020204030204" pitchFamily="34" charset="0"/>
+                <a:ea typeface="Calibri" panose="020F0502020204030204" pitchFamily="34" charset="0"/>
+                <a:cs typeface="Times New Roman" panose="02020603050405020304" pitchFamily="18" charset="0"/>
+              </a:rPr>
+              <a:t>2376 = $244 (</a:t>
+            </a:r>
+            <a:r>
+              <a:rPr lang="en-US" sz="1800" dirty="0">
+                <a:solidFill>
+                  <a:schemeClr val="accent4"/>
+                </a:solidFill>
+                <a:effectLst/>
+                <a:latin typeface="Calibri" panose="020F0502020204030204" pitchFamily="34" charset="0"/>
+                <a:ea typeface="Calibri" panose="020F0502020204030204" pitchFamily="34" charset="0"/>
+                <a:cs typeface="Times New Roman" panose="02020603050405020304" pitchFamily="18" charset="0"/>
+              </a:rPr>
+              <a:t>9%</a:t>
+            </a:r>
+            <a:r>
+              <a:rPr lang="en-US" sz="1800" dirty="0">
+                <a:solidFill>
+                  <a:srgbClr val="171717"/>
+                </a:solidFill>
+                <a:effectLst/>
+                <a:latin typeface="Calibri" panose="020F0502020204030204" pitchFamily="34" charset="0"/>
+                <a:ea typeface="Calibri" panose="020F0502020204030204" pitchFamily="34" charset="0"/>
+                <a:cs typeface="Times New Roman" panose="02020603050405020304" pitchFamily="18" charset="0"/>
+              </a:rPr>
+              <a:t> of revenue)</a:t>
+            </a:r>
+            <a:endParaRPr lang="en-NL" sz="1800" dirty="0">
+              <a:effectLst/>
+              <a:latin typeface="Calibri" panose="020F0502020204030204" pitchFamily="34" charset="0"/>
+              <a:ea typeface="Calibri" panose="020F0502020204030204" pitchFamily="34" charset="0"/>
+              <a:cs typeface="Times New Roman" panose="02020603050405020304" pitchFamily="18" charset="0"/>
+            </a:endParaRPr>
+          </a:p>
+          <a:p>
+            <a:endParaRPr lang="en-NL" dirty="0"/>
+          </a:p>
+        </p:txBody>
+      </p:sp>
+    </p:spTree>
+    <p:extLst>
+      <p:ext uri="{BB962C8B-B14F-4D97-AF65-F5344CB8AC3E}">
+        <p14:creationId xmlns:p14="http://schemas.microsoft.com/office/powerpoint/2010/main" val="2996940614"/>
+      </p:ext>
+    </p:extLst>
+  </p:cSld>
+  <p:clrMapOvr>
+    <a:masterClrMapping/>
+  </p:clrMapOvr>
+</p:sld>
+</file>
+
 <file path=ppt/slides/slide2.xml><?xml version="1.0" encoding="utf-8"?>
 <p:sld xmlns:a="http://schemas.openxmlformats.org/drawingml/2006/main" xmlns:r="http://schemas.openxmlformats.org/officeDocument/2006/relationships" xmlns:p="http://schemas.openxmlformats.org/presentationml/2006/main">
   <p:cSld>
@@ -10430,6 +10597,735 @@
 <file path=ppt/slides/slide8.xml><?xml version="1.0" encoding="utf-8"?>
 <p:sld xmlns:a="http://schemas.openxmlformats.org/drawingml/2006/main" xmlns:r="http://schemas.openxmlformats.org/officeDocument/2006/relationships" xmlns:p="http://schemas.openxmlformats.org/presentationml/2006/main">
   <p:cSld>
+    <p:bg>
+      <p:bgPr>
+        <a:solidFill>
+          <a:schemeClr val="bg1">
+            <a:tint val="98000"/>
+            <a:satMod val="170000"/>
+          </a:schemeClr>
+        </a:solidFill>
+        <a:effectLst/>
+      </p:bgPr>
+    </p:bg>
+    <p:spTree>
+      <p:nvGrpSpPr>
+        <p:cNvPr id="1" name=""/>
+        <p:cNvGrpSpPr/>
+        <p:nvPr/>
+      </p:nvGrpSpPr>
+      <p:grpSpPr>
+        <a:xfrm>
+          <a:off x="0" y="0"/>
+          <a:ext cx="0" cy="0"/>
+          <a:chOff x="0" y="0"/>
+          <a:chExt cx="0" cy="0"/>
+        </a:xfrm>
+      </p:grpSpPr>
+      <p:sp>
+        <p:nvSpPr>
+          <p:cNvPr id="8" name="Freeform 6">
+            <a:extLst>
+              <a:ext uri="{FF2B5EF4-FFF2-40B4-BE49-F238E27FC236}">
+                <a16:creationId xmlns:a16="http://schemas.microsoft.com/office/drawing/2014/main" id="{DD4C4B28-6B4B-4445-8535-F516D74E4AA9}"/>
+              </a:ext>
+              <a:ext uri="{C183D7F6-B498-43B3-948B-1728B52AA6E4}">
+                <adec:decorative xmlns:adec="http://schemas.microsoft.com/office/drawing/2017/decorative" val="1"/>
+              </a:ext>
+            </a:extLst>
+          </p:cNvPr>
+          <p:cNvSpPr>
+            <a:spLocks noGrp="1" noRot="1" noChangeAspect="1" noMove="1" noResize="1" noEditPoints="1" noAdjustHandles="1" noChangeArrowheads="1" noChangeShapeType="1" noTextEdit="1"/>
+          </p:cNvSpPr>
+          <p:nvPr>
+            <p:extLst>
+              <p:ext uri="{386F3935-93C4-4BCD-93E2-E3B085C9AB24}">
+                <p16:designElem xmlns:p16="http://schemas.microsoft.com/office/powerpoint/2015/main" val="1"/>
+              </p:ext>
+            </p:extLst>
+          </p:nvPr>
+        </p:nvSpPr>
+        <p:spPr bwMode="auto">
+          <a:xfrm>
+            <a:off x="11784011" y="5783564"/>
+            <a:ext cx="407988" cy="819150"/>
+          </a:xfrm>
+          <a:custGeom>
+            <a:avLst/>
+            <a:gdLst/>
+            <a:ahLst/>
+            <a:cxnLst/>
+            <a:rect l="0" t="0" r="r" b="b"/>
+            <a:pathLst>
+              <a:path w="1799" h="3612">
+                <a:moveTo>
+                  <a:pt x="1799" y="0"/>
+                </a:moveTo>
+                <a:lnTo>
+                  <a:pt x="1799" y="3612"/>
+                </a:lnTo>
+                <a:lnTo>
+                  <a:pt x="1686" y="3609"/>
+                </a:lnTo>
+                <a:lnTo>
+                  <a:pt x="1574" y="3598"/>
+                </a:lnTo>
+                <a:lnTo>
+                  <a:pt x="1464" y="3581"/>
+                </a:lnTo>
+                <a:lnTo>
+                  <a:pt x="1357" y="3557"/>
+                </a:lnTo>
+                <a:lnTo>
+                  <a:pt x="1251" y="3527"/>
+                </a:lnTo>
+                <a:lnTo>
+                  <a:pt x="1150" y="3490"/>
+                </a:lnTo>
+                <a:lnTo>
+                  <a:pt x="1050" y="3448"/>
+                </a:lnTo>
+                <a:lnTo>
+                  <a:pt x="953" y="3401"/>
+                </a:lnTo>
+                <a:lnTo>
+                  <a:pt x="860" y="3347"/>
+                </a:lnTo>
+                <a:lnTo>
+                  <a:pt x="771" y="3289"/>
+                </a:lnTo>
+                <a:lnTo>
+                  <a:pt x="686" y="3224"/>
+                </a:lnTo>
+                <a:lnTo>
+                  <a:pt x="604" y="3156"/>
+                </a:lnTo>
+                <a:lnTo>
+                  <a:pt x="527" y="3083"/>
+                </a:lnTo>
+                <a:lnTo>
+                  <a:pt x="454" y="3005"/>
+                </a:lnTo>
+                <a:lnTo>
+                  <a:pt x="386" y="2923"/>
+                </a:lnTo>
+                <a:lnTo>
+                  <a:pt x="323" y="2838"/>
+                </a:lnTo>
+                <a:lnTo>
+                  <a:pt x="265" y="2748"/>
+                </a:lnTo>
+                <a:lnTo>
+                  <a:pt x="211" y="2655"/>
+                </a:lnTo>
+                <a:lnTo>
+                  <a:pt x="163" y="2559"/>
+                </a:lnTo>
+                <a:lnTo>
+                  <a:pt x="121" y="2459"/>
+                </a:lnTo>
+                <a:lnTo>
+                  <a:pt x="85" y="2356"/>
+                </a:lnTo>
+                <a:lnTo>
+                  <a:pt x="55" y="2251"/>
+                </a:lnTo>
+                <a:lnTo>
+                  <a:pt x="32" y="2143"/>
+                </a:lnTo>
+                <a:lnTo>
+                  <a:pt x="14" y="2033"/>
+                </a:lnTo>
+                <a:lnTo>
+                  <a:pt x="4" y="1920"/>
+                </a:lnTo>
+                <a:lnTo>
+                  <a:pt x="0" y="1806"/>
+                </a:lnTo>
+                <a:lnTo>
+                  <a:pt x="4" y="1692"/>
+                </a:lnTo>
+                <a:lnTo>
+                  <a:pt x="14" y="1580"/>
+                </a:lnTo>
+                <a:lnTo>
+                  <a:pt x="32" y="1469"/>
+                </a:lnTo>
+                <a:lnTo>
+                  <a:pt x="55" y="1362"/>
+                </a:lnTo>
+                <a:lnTo>
+                  <a:pt x="85" y="1256"/>
+                </a:lnTo>
+                <a:lnTo>
+                  <a:pt x="121" y="1154"/>
+                </a:lnTo>
+                <a:lnTo>
+                  <a:pt x="163" y="1054"/>
+                </a:lnTo>
+                <a:lnTo>
+                  <a:pt x="211" y="958"/>
+                </a:lnTo>
+                <a:lnTo>
+                  <a:pt x="265" y="864"/>
+                </a:lnTo>
+                <a:lnTo>
+                  <a:pt x="323" y="774"/>
+                </a:lnTo>
+                <a:lnTo>
+                  <a:pt x="386" y="689"/>
+                </a:lnTo>
+                <a:lnTo>
+                  <a:pt x="454" y="607"/>
+                </a:lnTo>
+                <a:lnTo>
+                  <a:pt x="527" y="529"/>
+                </a:lnTo>
+                <a:lnTo>
+                  <a:pt x="604" y="456"/>
+                </a:lnTo>
+                <a:lnTo>
+                  <a:pt x="686" y="388"/>
+                </a:lnTo>
+                <a:lnTo>
+                  <a:pt x="771" y="325"/>
+                </a:lnTo>
+                <a:lnTo>
+                  <a:pt x="860" y="266"/>
+                </a:lnTo>
+                <a:lnTo>
+                  <a:pt x="953" y="212"/>
+                </a:lnTo>
+                <a:lnTo>
+                  <a:pt x="1050" y="164"/>
+                </a:lnTo>
+                <a:lnTo>
+                  <a:pt x="1150" y="122"/>
+                </a:lnTo>
+                <a:lnTo>
+                  <a:pt x="1251" y="85"/>
+                </a:lnTo>
+                <a:lnTo>
+                  <a:pt x="1357" y="55"/>
+                </a:lnTo>
+                <a:lnTo>
+                  <a:pt x="1464" y="32"/>
+                </a:lnTo>
+                <a:lnTo>
+                  <a:pt x="1574" y="14"/>
+                </a:lnTo>
+                <a:lnTo>
+                  <a:pt x="1686" y="5"/>
+                </a:lnTo>
+                <a:lnTo>
+                  <a:pt x="1799" y="0"/>
+                </a:lnTo>
+                <a:close/>
+              </a:path>
+            </a:pathLst>
+          </a:custGeom>
+          <a:solidFill>
+            <a:schemeClr val="tx1">
+              <a:lumMod val="85000"/>
+              <a:lumOff val="15000"/>
+            </a:schemeClr>
+          </a:solidFill>
+          <a:ln w="0">
+            <a:noFill/>
+            <a:prstDash val="solid"/>
+            <a:round/>
+            <a:headEnd/>
+            <a:tailEnd/>
+          </a:ln>
+        </p:spPr>
+        <p:txBody>
+          <a:bodyPr anchor="ctr"/>
+          <a:lstStyle/>
+          <a:p>
+            <a:endParaRPr lang="en-US"/>
+          </a:p>
+        </p:txBody>
+      </p:sp>
+      <p:cxnSp>
+        <p:nvCxnSpPr>
+          <p:cNvPr id="10" name="Straight Connector 9">
+            <a:extLst>
+              <a:ext uri="{FF2B5EF4-FFF2-40B4-BE49-F238E27FC236}">
+                <a16:creationId xmlns:a16="http://schemas.microsoft.com/office/drawing/2014/main" id="{0CB1C732-7193-4253-8746-850D090A6B4E}"/>
+              </a:ext>
+              <a:ext uri="{C183D7F6-B498-43B3-948B-1728B52AA6E4}">
+                <adec:decorative xmlns:adec="http://schemas.microsoft.com/office/drawing/2017/decorative" val="1"/>
+              </a:ext>
+            </a:extLst>
+          </p:cNvPr>
+          <p:cNvCxnSpPr>
+            <a:cxnSpLocks noGrp="1" noRot="1" noChangeAspect="1" noMove="1" noResize="1" noEditPoints="1" noAdjustHandles="1" noChangeArrowheads="1" noChangeShapeType="1"/>
+          </p:cNvCxnSpPr>
+          <p:nvPr>
+            <p:extLst>
+              <p:ext uri="{386F3935-93C4-4BCD-93E2-E3B085C9AB24}">
+                <p16:designElem xmlns:p16="http://schemas.microsoft.com/office/powerpoint/2015/main" val="1"/>
+              </p:ext>
+            </p:extLst>
+          </p:nvPr>
+        </p:nvCxnSpPr>
+        <p:spPr>
+          <a:xfrm>
+            <a:off x="758952" y="1280160"/>
+            <a:ext cx="0" cy="5577840"/>
+          </a:xfrm>
+          <a:prstGeom prst="line">
+            <a:avLst/>
+          </a:prstGeom>
+          <a:ln w="19050">
+            <a:solidFill>
+              <a:schemeClr val="tx2"/>
+            </a:solidFill>
+          </a:ln>
+        </p:spPr>
+        <p:style>
+          <a:lnRef idx="1">
+            <a:schemeClr val="accent1"/>
+          </a:lnRef>
+          <a:fillRef idx="0">
+            <a:schemeClr val="accent1"/>
+          </a:fillRef>
+          <a:effectRef idx="0">
+            <a:schemeClr val="accent1"/>
+          </a:effectRef>
+          <a:fontRef idx="minor">
+            <a:schemeClr val="tx1"/>
+          </a:fontRef>
+        </p:style>
+      </p:cxnSp>
+      <p:sp useBgFill="1">
+        <p:nvSpPr>
+          <p:cNvPr id="12" name="Rectangle 11">
+            <a:extLst>
+              <a:ext uri="{FF2B5EF4-FFF2-40B4-BE49-F238E27FC236}">
+                <a16:creationId xmlns:a16="http://schemas.microsoft.com/office/drawing/2014/main" id="{55B419A7-F817-4767-8CCB-FB0E189C4ACD}"/>
+              </a:ext>
+              <a:ext uri="{C183D7F6-B498-43B3-948B-1728B52AA6E4}">
+                <adec:decorative xmlns:adec="http://schemas.microsoft.com/office/drawing/2017/decorative" val="1"/>
+              </a:ext>
+            </a:extLst>
+          </p:cNvPr>
+          <p:cNvSpPr>
+            <a:spLocks noGrp="1" noRot="1" noChangeAspect="1" noMove="1" noResize="1" noEditPoints="1" noAdjustHandles="1" noChangeArrowheads="1" noChangeShapeType="1" noTextEdit="1"/>
+          </p:cNvSpPr>
+          <p:nvPr>
+            <p:extLst>
+              <p:ext uri="{386F3935-93C4-4BCD-93E2-E3B085C9AB24}">
+                <p16:designElem xmlns:p16="http://schemas.microsoft.com/office/powerpoint/2015/main" val="1"/>
+              </p:ext>
+            </p:extLst>
+          </p:nvPr>
+        </p:nvSpPr>
+        <p:spPr>
+          <a:xfrm>
+            <a:off x="0" y="0"/>
+            <a:ext cx="12192000" cy="6858000"/>
+          </a:xfrm>
+          <a:prstGeom prst="rect">
+            <a:avLst/>
+          </a:prstGeom>
+          <a:ln>
+            <a:noFill/>
+          </a:ln>
+        </p:spPr>
+        <p:style>
+          <a:lnRef idx="2">
+            <a:schemeClr val="accent1">
+              <a:shade val="50000"/>
+            </a:schemeClr>
+          </a:lnRef>
+          <a:fillRef idx="1">
+            <a:schemeClr val="accent1"/>
+          </a:fillRef>
+          <a:effectRef idx="0">
+            <a:schemeClr val="accent1"/>
+          </a:effectRef>
+          <a:fontRef idx="minor">
+            <a:schemeClr val="lt1"/>
+          </a:fontRef>
+        </p:style>
+        <p:txBody>
+          <a:bodyPr rtlCol="0" anchor="ctr"/>
+          <a:lstStyle/>
+          <a:p>
+            <a:pPr algn="ctr"/>
+            <a:endParaRPr lang="en-US"/>
+          </a:p>
+        </p:txBody>
+      </p:sp>
+      <p:sp>
+        <p:nvSpPr>
+          <p:cNvPr id="2" name="Title 1">
+            <a:extLst>
+              <a:ext uri="{FF2B5EF4-FFF2-40B4-BE49-F238E27FC236}">
+                <a16:creationId xmlns:a16="http://schemas.microsoft.com/office/drawing/2014/main" id="{FFBA84FF-B012-8F6C-CCEE-3F99442ADB05}"/>
+              </a:ext>
+            </a:extLst>
+          </p:cNvPr>
+          <p:cNvSpPr>
+            <a:spLocks noGrp="1"/>
+          </p:cNvSpPr>
+          <p:nvPr>
+            <p:ph type="title"/>
+          </p:nvPr>
+        </p:nvSpPr>
+        <p:spPr>
+          <a:xfrm>
+            <a:off x="1078992" y="1143000"/>
+            <a:ext cx="9052560" cy="3546179"/>
+          </a:xfrm>
+        </p:spPr>
+        <p:txBody>
+          <a:bodyPr vert="horz" lIns="91440" tIns="45720" rIns="91440" bIns="45720" rtlCol="0" anchor="t">
+            <a:normAutofit/>
+          </a:bodyPr>
+          <a:lstStyle/>
+          <a:p>
+            <a:r>
+              <a:rPr lang="en-US" sz="7200"/>
+              <a:t>Google cloud provider</a:t>
+            </a:r>
+          </a:p>
+        </p:txBody>
+      </p:sp>
+      <p:sp>
+        <p:nvSpPr>
+          <p:cNvPr id="3" name="Content Placeholder 2">
+            <a:extLst>
+              <a:ext uri="{FF2B5EF4-FFF2-40B4-BE49-F238E27FC236}">
+                <a16:creationId xmlns:a16="http://schemas.microsoft.com/office/drawing/2014/main" id="{3683D2C4-C2F6-DC58-D9BD-9EB2DD48FE2B}"/>
+              </a:ext>
+            </a:extLst>
+          </p:cNvPr>
+          <p:cNvSpPr>
+            <a:spLocks noGrp="1"/>
+          </p:cNvSpPr>
+          <p:nvPr>
+            <p:ph idx="1"/>
+          </p:nvPr>
+        </p:nvSpPr>
+        <p:spPr>
+          <a:xfrm>
+            <a:off x="1078992" y="5010912"/>
+            <a:ext cx="9052560" cy="704088"/>
+          </a:xfrm>
+        </p:spPr>
+        <p:txBody>
+          <a:bodyPr vert="horz" lIns="91440" tIns="45720" rIns="91440" bIns="45720" rtlCol="0">
+            <a:normAutofit/>
+          </a:bodyPr>
+          <a:lstStyle/>
+          <a:p>
+            <a:pPr marL="0" indent="0">
+              <a:lnSpc>
+                <a:spcPct val="100000"/>
+              </a:lnSpc>
+              <a:buNone/>
+            </a:pPr>
+            <a:r>
+              <a:rPr lang="en-US" sz="2200" u="sng" dirty="0"/>
+              <a:t>$2167 total price per month.</a:t>
+            </a:r>
+          </a:p>
+        </p:txBody>
+      </p:sp>
+      <p:cxnSp>
+        <p:nvCxnSpPr>
+          <p:cNvPr id="14" name="Straight Connector 13">
+            <a:extLst>
+              <a:ext uri="{FF2B5EF4-FFF2-40B4-BE49-F238E27FC236}">
+                <a16:creationId xmlns:a16="http://schemas.microsoft.com/office/drawing/2014/main" id="{D81E42A3-743C-4C15-9DA8-93AA9AEBFB17}"/>
+              </a:ext>
+              <a:ext uri="{C183D7F6-B498-43B3-948B-1728B52AA6E4}">
+                <adec:decorative xmlns:adec="http://schemas.microsoft.com/office/drawing/2017/decorative" val="1"/>
+              </a:ext>
+            </a:extLst>
+          </p:cNvPr>
+          <p:cNvCxnSpPr>
+            <a:cxnSpLocks noGrp="1" noRot="1" noChangeAspect="1" noMove="1" noResize="1" noEditPoints="1" noAdjustHandles="1" noChangeArrowheads="1" noChangeShapeType="1"/>
+          </p:cNvCxnSpPr>
+          <p:nvPr>
+            <p:extLst>
+              <p:ext uri="{386F3935-93C4-4BCD-93E2-E3B085C9AB24}">
+                <p16:designElem xmlns:p16="http://schemas.microsoft.com/office/powerpoint/2015/main" val="1"/>
+              </p:ext>
+            </p:extLst>
+          </p:nvPr>
+        </p:nvCxnSpPr>
+        <p:spPr>
+          <a:xfrm>
+            <a:off x="758952" y="1143293"/>
+            <a:ext cx="0" cy="5714707"/>
+          </a:xfrm>
+          <a:prstGeom prst="line">
+            <a:avLst/>
+          </a:prstGeom>
+          <a:ln w="19050">
+            <a:solidFill>
+              <a:schemeClr val="tx1"/>
+            </a:solidFill>
+          </a:ln>
+        </p:spPr>
+        <p:style>
+          <a:lnRef idx="1">
+            <a:schemeClr val="accent1"/>
+          </a:lnRef>
+          <a:fillRef idx="0">
+            <a:schemeClr val="accent1"/>
+          </a:fillRef>
+          <a:effectRef idx="0">
+            <a:schemeClr val="accent1"/>
+          </a:effectRef>
+          <a:fontRef idx="minor">
+            <a:schemeClr val="tx1"/>
+          </a:fontRef>
+        </p:style>
+      </p:cxnSp>
+      <p:sp>
+        <p:nvSpPr>
+          <p:cNvPr id="16" name="Freeform 6">
+            <a:extLst>
+              <a:ext uri="{FF2B5EF4-FFF2-40B4-BE49-F238E27FC236}">
+                <a16:creationId xmlns:a16="http://schemas.microsoft.com/office/drawing/2014/main" id="{7021D92D-08FF-45A6-9109-AC9462C7E8E3}"/>
+              </a:ext>
+              <a:ext uri="{C183D7F6-B498-43B3-948B-1728B52AA6E4}">
+                <adec:decorative xmlns:adec="http://schemas.microsoft.com/office/drawing/2017/decorative" val="1"/>
+              </a:ext>
+            </a:extLst>
+          </p:cNvPr>
+          <p:cNvSpPr>
+            <a:spLocks noGrp="1" noRot="1" noChangeAspect="1" noMove="1" noResize="1" noEditPoints="1" noAdjustHandles="1" noChangeArrowheads="1" noChangeShapeType="1" noTextEdit="1"/>
+          </p:cNvSpPr>
+          <p:nvPr>
+            <p:extLst>
+              <p:ext uri="{386F3935-93C4-4BCD-93E2-E3B085C9AB24}">
+                <p16:designElem xmlns:p16="http://schemas.microsoft.com/office/powerpoint/2015/main" val="1"/>
+              </p:ext>
+            </p:extLst>
+          </p:nvPr>
+        </p:nvSpPr>
+        <p:spPr bwMode="auto">
+          <a:xfrm>
+            <a:off x="11784011" y="1143293"/>
+            <a:ext cx="407988" cy="819150"/>
+          </a:xfrm>
+          <a:custGeom>
+            <a:avLst/>
+            <a:gdLst/>
+            <a:ahLst/>
+            <a:cxnLst/>
+            <a:rect l="0" t="0" r="r" b="b"/>
+            <a:pathLst>
+              <a:path w="1799" h="3612">
+                <a:moveTo>
+                  <a:pt x="1799" y="0"/>
+                </a:moveTo>
+                <a:lnTo>
+                  <a:pt x="1799" y="3612"/>
+                </a:lnTo>
+                <a:lnTo>
+                  <a:pt x="1686" y="3609"/>
+                </a:lnTo>
+                <a:lnTo>
+                  <a:pt x="1574" y="3598"/>
+                </a:lnTo>
+                <a:lnTo>
+                  <a:pt x="1464" y="3581"/>
+                </a:lnTo>
+                <a:lnTo>
+                  <a:pt x="1357" y="3557"/>
+                </a:lnTo>
+                <a:lnTo>
+                  <a:pt x="1251" y="3527"/>
+                </a:lnTo>
+                <a:lnTo>
+                  <a:pt x="1150" y="3490"/>
+                </a:lnTo>
+                <a:lnTo>
+                  <a:pt x="1050" y="3448"/>
+                </a:lnTo>
+                <a:lnTo>
+                  <a:pt x="953" y="3401"/>
+                </a:lnTo>
+                <a:lnTo>
+                  <a:pt x="860" y="3347"/>
+                </a:lnTo>
+                <a:lnTo>
+                  <a:pt x="771" y="3289"/>
+                </a:lnTo>
+                <a:lnTo>
+                  <a:pt x="686" y="3224"/>
+                </a:lnTo>
+                <a:lnTo>
+                  <a:pt x="604" y="3156"/>
+                </a:lnTo>
+                <a:lnTo>
+                  <a:pt x="527" y="3083"/>
+                </a:lnTo>
+                <a:lnTo>
+                  <a:pt x="454" y="3005"/>
+                </a:lnTo>
+                <a:lnTo>
+                  <a:pt x="386" y="2923"/>
+                </a:lnTo>
+                <a:lnTo>
+                  <a:pt x="323" y="2838"/>
+                </a:lnTo>
+                <a:lnTo>
+                  <a:pt x="265" y="2748"/>
+                </a:lnTo>
+                <a:lnTo>
+                  <a:pt x="211" y="2655"/>
+                </a:lnTo>
+                <a:lnTo>
+                  <a:pt x="163" y="2559"/>
+                </a:lnTo>
+                <a:lnTo>
+                  <a:pt x="121" y="2459"/>
+                </a:lnTo>
+                <a:lnTo>
+                  <a:pt x="85" y="2356"/>
+                </a:lnTo>
+                <a:lnTo>
+                  <a:pt x="55" y="2251"/>
+                </a:lnTo>
+                <a:lnTo>
+                  <a:pt x="32" y="2143"/>
+                </a:lnTo>
+                <a:lnTo>
+                  <a:pt x="14" y="2033"/>
+                </a:lnTo>
+                <a:lnTo>
+                  <a:pt x="4" y="1920"/>
+                </a:lnTo>
+                <a:lnTo>
+                  <a:pt x="0" y="1806"/>
+                </a:lnTo>
+                <a:lnTo>
+                  <a:pt x="4" y="1692"/>
+                </a:lnTo>
+                <a:lnTo>
+                  <a:pt x="14" y="1580"/>
+                </a:lnTo>
+                <a:lnTo>
+                  <a:pt x="32" y="1469"/>
+                </a:lnTo>
+                <a:lnTo>
+                  <a:pt x="55" y="1362"/>
+                </a:lnTo>
+                <a:lnTo>
+                  <a:pt x="85" y="1256"/>
+                </a:lnTo>
+                <a:lnTo>
+                  <a:pt x="121" y="1154"/>
+                </a:lnTo>
+                <a:lnTo>
+                  <a:pt x="163" y="1054"/>
+                </a:lnTo>
+                <a:lnTo>
+                  <a:pt x="211" y="958"/>
+                </a:lnTo>
+                <a:lnTo>
+                  <a:pt x="265" y="864"/>
+                </a:lnTo>
+                <a:lnTo>
+                  <a:pt x="323" y="774"/>
+                </a:lnTo>
+                <a:lnTo>
+                  <a:pt x="386" y="689"/>
+                </a:lnTo>
+                <a:lnTo>
+                  <a:pt x="454" y="607"/>
+                </a:lnTo>
+                <a:lnTo>
+                  <a:pt x="527" y="529"/>
+                </a:lnTo>
+                <a:lnTo>
+                  <a:pt x="604" y="456"/>
+                </a:lnTo>
+                <a:lnTo>
+                  <a:pt x="686" y="388"/>
+                </a:lnTo>
+                <a:lnTo>
+                  <a:pt x="771" y="325"/>
+                </a:lnTo>
+                <a:lnTo>
+                  <a:pt x="860" y="266"/>
+                </a:lnTo>
+                <a:lnTo>
+                  <a:pt x="953" y="212"/>
+                </a:lnTo>
+                <a:lnTo>
+                  <a:pt x="1050" y="164"/>
+                </a:lnTo>
+                <a:lnTo>
+                  <a:pt x="1150" y="122"/>
+                </a:lnTo>
+                <a:lnTo>
+                  <a:pt x="1251" y="85"/>
+                </a:lnTo>
+                <a:lnTo>
+                  <a:pt x="1357" y="55"/>
+                </a:lnTo>
+                <a:lnTo>
+                  <a:pt x="1464" y="32"/>
+                </a:lnTo>
+                <a:lnTo>
+                  <a:pt x="1574" y="14"/>
+                </a:lnTo>
+                <a:lnTo>
+                  <a:pt x="1686" y="5"/>
+                </a:lnTo>
+                <a:lnTo>
+                  <a:pt x="1799" y="0"/>
+                </a:lnTo>
+                <a:close/>
+              </a:path>
+            </a:pathLst>
+          </a:custGeom>
+          <a:solidFill>
+            <a:schemeClr val="tx1">
+              <a:lumMod val="85000"/>
+              <a:lumOff val="15000"/>
+            </a:schemeClr>
+          </a:solidFill>
+          <a:ln w="0">
+            <a:noFill/>
+            <a:prstDash val="solid"/>
+            <a:round/>
+            <a:headEnd/>
+            <a:tailEnd/>
+          </a:ln>
+        </p:spPr>
+        <p:txBody>
+          <a:bodyPr anchor="ctr"/>
+          <a:lstStyle/>
+          <a:p>
+            <a:endParaRPr lang="en-US"/>
+          </a:p>
+        </p:txBody>
+      </p:sp>
+    </p:spTree>
+    <p:extLst>
+      <p:ext uri="{BB962C8B-B14F-4D97-AF65-F5344CB8AC3E}">
+        <p14:creationId xmlns:p14="http://schemas.microsoft.com/office/powerpoint/2010/main" val="1122901229"/>
+      </p:ext>
+    </p:extLst>
+  </p:cSld>
+  <p:clrMapOvr>
+    <a:masterClrMapping/>
+  </p:clrMapOvr>
+</p:sld>
+</file>
+
+<file path=ppt/slides/slide9.xml><?xml version="1.0" encoding="utf-8"?>
+<p:sld xmlns:a="http://schemas.openxmlformats.org/drawingml/2006/main" xmlns:r="http://schemas.openxmlformats.org/officeDocument/2006/relationships" xmlns:p="http://schemas.openxmlformats.org/presentationml/2006/main">
+  <p:cSld>
     <p:spTree>
       <p:nvGrpSpPr>
         <p:cNvPr id="1" name=""/>
@@ -10449,7 +11345,7 @@
           <p:cNvPr id="2" name="Title 1">
             <a:extLst>
               <a:ext uri="{FF2B5EF4-FFF2-40B4-BE49-F238E27FC236}">
-                <a16:creationId xmlns:a16="http://schemas.microsoft.com/office/drawing/2014/main" id="{FFBA84FF-B012-8F6C-CCEE-3F99442ADB05}"/>
+                <a16:creationId xmlns:a16="http://schemas.microsoft.com/office/drawing/2014/main" id="{597AEF0D-814F-5E0E-D8CF-B70D61F00639}"/>
               </a:ext>
             </a:extLst>
           </p:cNvPr>
@@ -10467,7 +11363,35 @@
           <a:p>
             <a:r>
               <a:rPr lang="en-US" dirty="0"/>
-              <a:t>Google cloud provider</a:t>
+              <a:t>Margin </a:t>
+            </a:r>
+            <a:r>
+              <a:rPr lang="en-US" dirty="0">
+                <a:solidFill>
+                  <a:srgbClr val="0070C0"/>
+                </a:solidFill>
+              </a:rPr>
+              <a:t>GCP- </a:t>
+            </a:r>
+            <a:r>
+              <a:rPr lang="en-US" dirty="0">
+                <a:solidFill>
+                  <a:schemeClr val="tx1"/>
+                </a:solidFill>
+              </a:rPr>
+              <a:t>Snowflake</a:t>
+            </a:r>
+            <a:r>
+              <a:rPr lang="en-US" dirty="0">
+                <a:solidFill>
+                  <a:srgbClr val="0070C0"/>
+                </a:solidFill>
+              </a:rPr>
+              <a:t>(GCP)</a:t>
+            </a:r>
+            <a:r>
+              <a:rPr lang="en-US" dirty="0"/>
+              <a:t> monthly</a:t>
             </a:r>
             <a:endParaRPr lang="en-NL" dirty="0"/>
           </a:p>
@@ -10478,7 +11402,7 @@
           <p:cNvPr id="3" name="Content Placeholder 2">
             <a:extLst>
               <a:ext uri="{FF2B5EF4-FFF2-40B4-BE49-F238E27FC236}">
-                <a16:creationId xmlns:a16="http://schemas.microsoft.com/office/drawing/2014/main" id="{3683D2C4-C2F6-DC58-D9BD-9EB2DD48FE2B}"/>
+                <a16:creationId xmlns:a16="http://schemas.microsoft.com/office/drawing/2014/main" id="{46DC8257-1C70-8D12-7C91-8ED80DC146CC}"/>
               </a:ext>
             </a:extLst>
           </p:cNvPr>
@@ -10495,16 +11419,54 @@
           <a:lstStyle/>
           <a:p>
             <a:r>
-              <a:rPr lang="en-US" u="sng" dirty="0"/>
-              <a:t>$2167 total price per month.</a:t>
+              <a:rPr lang="en-US" sz="1800" dirty="0">
+                <a:effectLst/>
+                <a:latin typeface="Calibri" panose="020F0502020204030204" pitchFamily="34" charset="0"/>
+                <a:ea typeface="Calibri" panose="020F0502020204030204" pitchFamily="34" charset="0"/>
+                <a:cs typeface="Times New Roman" panose="02020603050405020304" pitchFamily="18" charset="0"/>
+              </a:rPr>
+              <a:t>$2620 - $2167 = $453 (</a:t>
             </a:r>
+            <a:r>
+              <a:rPr lang="en-US" sz="1800" dirty="0">
+                <a:solidFill>
+                  <a:schemeClr val="accent4"/>
+                </a:solidFill>
+                <a:effectLst/>
+                <a:latin typeface="Calibri" panose="020F0502020204030204" pitchFamily="34" charset="0"/>
+                <a:ea typeface="Calibri" panose="020F0502020204030204" pitchFamily="34" charset="0"/>
+                <a:cs typeface="Times New Roman" panose="02020603050405020304" pitchFamily="18" charset="0"/>
+              </a:rPr>
+              <a:t>17%</a:t>
+            </a:r>
+            <a:r>
+              <a:rPr lang="en-US" sz="1800" dirty="0">
+                <a:effectLst/>
+                <a:latin typeface="Calibri" panose="020F0502020204030204" pitchFamily="34" charset="0"/>
+                <a:ea typeface="Calibri" panose="020F0502020204030204" pitchFamily="34" charset="0"/>
+                <a:cs typeface="Times New Roman" panose="02020603050405020304" pitchFamily="18" charset="0"/>
+              </a:rPr>
+              <a:t> of revenue)</a:t>
+            </a:r>
+            <a:endParaRPr lang="en-NL" sz="1800" dirty="0">
+              <a:effectLst/>
+              <a:latin typeface="Calibri" panose="020F0502020204030204" pitchFamily="34" charset="0"/>
+              <a:ea typeface="Calibri" panose="020F0502020204030204" pitchFamily="34" charset="0"/>
+              <a:cs typeface="Times New Roman" panose="02020603050405020304" pitchFamily="18" charset="0"/>
+            </a:endParaRPr>
+          </a:p>
+          <a:p>
+            <a:pPr marL="0" indent="0">
+              <a:buNone/>
+            </a:pPr>
+            <a:endParaRPr lang="en-NL" dirty="0"/>
           </a:p>
         </p:txBody>
       </p:sp>
     </p:spTree>
     <p:extLst>
       <p:ext uri="{BB962C8B-B14F-4D97-AF65-F5344CB8AC3E}">
-        <p14:creationId xmlns:p14="http://schemas.microsoft.com/office/powerpoint/2010/main" val="1122901229"/>
+        <p14:creationId xmlns:p14="http://schemas.microsoft.com/office/powerpoint/2010/main" val="4071979917"/>
       </p:ext>
     </p:extLst>
   </p:cSld>

--- a/Simple use case cost comparison/ResearchCostMLLibraries.pptx
+++ b/Simple use case cost comparison/ResearchCostMLLibraries.pptx
@@ -7091,6 +7091,14 @@
 <file path=ppt/slides/slide10.xml><?xml version="1.0" encoding="utf-8"?>
 <p:sld xmlns:a="http://schemas.openxmlformats.org/drawingml/2006/main" xmlns:r="http://schemas.openxmlformats.org/officeDocument/2006/relationships" xmlns:p="http://schemas.openxmlformats.org/presentationml/2006/main">
   <p:cSld>
+    <p:bg>
+      <p:bgPr>
+        <a:solidFill>
+          <a:schemeClr val="bg2"/>
+        </a:solidFill>
+        <a:effectLst/>
+      </p:bgPr>
+    </p:bg>
     <p:spTree>
       <p:nvGrpSpPr>
         <p:cNvPr id="1" name=""/>
@@ -7105,6 +7113,132 @@
           <a:chExt cx="0" cy="0"/>
         </a:xfrm>
       </p:grpSpPr>
+      <p:sp useBgFill="1">
+        <p:nvSpPr>
+          <p:cNvPr id="8" name="Rectangle 7">
+            <a:extLst>
+              <a:ext uri="{FF2B5EF4-FFF2-40B4-BE49-F238E27FC236}">
+                <a16:creationId xmlns:a16="http://schemas.microsoft.com/office/drawing/2014/main" id="{C5176844-69C3-4F79-BE38-EA5BDDF4FEA4}"/>
+              </a:ext>
+              <a:ext uri="{C183D7F6-B498-43B3-948B-1728B52AA6E4}">
+                <adec:decorative xmlns:adec="http://schemas.microsoft.com/office/drawing/2017/decorative" val="1"/>
+              </a:ext>
+            </a:extLst>
+          </p:cNvPr>
+          <p:cNvSpPr>
+            <a:spLocks noGrp="1" noRot="1" noChangeAspect="1" noMove="1" noResize="1" noEditPoints="1" noAdjustHandles="1" noChangeArrowheads="1" noChangeShapeType="1" noTextEdit="1"/>
+          </p:cNvSpPr>
+          <p:nvPr>
+            <p:extLst>
+              <p:ext uri="{386F3935-93C4-4BCD-93E2-E3B085C9AB24}">
+                <p16:designElem xmlns:p16="http://schemas.microsoft.com/office/powerpoint/2015/main" val="1"/>
+              </p:ext>
+            </p:extLst>
+          </p:nvPr>
+        </p:nvSpPr>
+        <p:spPr>
+          <a:xfrm>
+            <a:off x="0" y="0"/>
+            <a:ext cx="12192000" cy="6858000"/>
+          </a:xfrm>
+          <a:prstGeom prst="rect">
+            <a:avLst/>
+          </a:prstGeom>
+          <a:ln>
+            <a:noFill/>
+          </a:ln>
+        </p:spPr>
+        <p:style>
+          <a:lnRef idx="2">
+            <a:schemeClr val="accent1">
+              <a:shade val="50000"/>
+            </a:schemeClr>
+          </a:lnRef>
+          <a:fillRef idx="1">
+            <a:schemeClr val="accent1"/>
+          </a:fillRef>
+          <a:effectRef idx="0">
+            <a:schemeClr val="accent1"/>
+          </a:effectRef>
+          <a:fontRef idx="minor">
+            <a:schemeClr val="lt1"/>
+          </a:fontRef>
+        </p:style>
+        <p:txBody>
+          <a:bodyPr rtlCol="0" anchor="ctr"/>
+          <a:lstStyle/>
+          <a:p>
+            <a:pPr algn="ctr"/>
+            <a:endParaRPr lang="en-US"/>
+          </a:p>
+        </p:txBody>
+      </p:sp>
+      <p:sp>
+        <p:nvSpPr>
+          <p:cNvPr id="10" name="Rectangle 9">
+            <a:extLst>
+              <a:ext uri="{FF2B5EF4-FFF2-40B4-BE49-F238E27FC236}">
+                <a16:creationId xmlns:a16="http://schemas.microsoft.com/office/drawing/2014/main" id="{1CF1AAE4-D0BC-430F-A613-7BBAAECA0C2D}"/>
+              </a:ext>
+              <a:ext uri="{C183D7F6-B498-43B3-948B-1728B52AA6E4}">
+                <adec:decorative xmlns:adec="http://schemas.microsoft.com/office/drawing/2017/decorative" val="1"/>
+              </a:ext>
+            </a:extLst>
+          </p:cNvPr>
+          <p:cNvSpPr>
+            <a:spLocks noGrp="1" noRot="1" noChangeAspect="1" noMove="1" noResize="1" noEditPoints="1" noAdjustHandles="1" noChangeArrowheads="1" noChangeShapeType="1" noTextEdit="1"/>
+          </p:cNvSpPr>
+          <p:nvPr>
+            <p:extLst>
+              <p:ext uri="{386F3935-93C4-4BCD-93E2-E3B085C9AB24}">
+                <p16:designElem xmlns:p16="http://schemas.microsoft.com/office/powerpoint/2015/main" val="1"/>
+              </p:ext>
+            </p:extLst>
+          </p:nvPr>
+        </p:nvSpPr>
+        <p:spPr>
+          <a:xfrm>
+            <a:off x="0" y="0"/>
+            <a:ext cx="12191999" cy="2285999"/>
+          </a:xfrm>
+          <a:prstGeom prst="rect">
+            <a:avLst/>
+          </a:prstGeom>
+          <a:solidFill>
+            <a:schemeClr val="tx1">
+              <a:lumMod val="85000"/>
+              <a:lumOff val="15000"/>
+            </a:schemeClr>
+          </a:solidFill>
+          <a:ln>
+            <a:noFill/>
+          </a:ln>
+        </p:spPr>
+        <p:style>
+          <a:lnRef idx="2">
+            <a:schemeClr val="accent1">
+              <a:shade val="50000"/>
+            </a:schemeClr>
+          </a:lnRef>
+          <a:fillRef idx="1">
+            <a:schemeClr val="accent1"/>
+          </a:fillRef>
+          <a:effectRef idx="0">
+            <a:schemeClr val="accent1"/>
+          </a:effectRef>
+          <a:fontRef idx="minor">
+            <a:schemeClr val="lt1"/>
+          </a:fontRef>
+        </p:style>
+        <p:txBody>
+          <a:bodyPr rtlCol="0" anchor="ctr"/>
+          <a:lstStyle/>
+          <a:p>
+            <a:pPr algn="ctr"/>
+            <a:endParaRPr lang="en-US"/>
+          </a:p>
+        </p:txBody>
+      </p:sp>
       <p:sp>
         <p:nvSpPr>
           <p:cNvPr id="2" name="Title 1">
@@ -7121,44 +7255,63 @@
             <p:ph type="title"/>
           </p:nvPr>
         </p:nvSpPr>
-        <p:spPr/>
+        <p:spPr>
+          <a:xfrm>
+            <a:off x="758952" y="379475"/>
+            <a:ext cx="10671048" cy="1554480"/>
+          </a:xfrm>
+        </p:spPr>
         <p:txBody>
-          <a:bodyPr/>
+          <a:bodyPr anchor="ctr">
+            <a:normAutofit/>
+          </a:bodyPr>
           <a:lstStyle/>
           <a:p>
             <a:r>
-              <a:rPr lang="en-US" dirty="0"/>
+              <a:rPr lang="en-US" sz="5100" dirty="0">
+                <a:solidFill>
+                  <a:schemeClr val="bg1"/>
+                </a:solidFill>
+              </a:rPr>
               <a:t>Margin </a:t>
             </a:r>
             <a:r>
-              <a:rPr lang="en-US" dirty="0">
+              <a:rPr lang="en-US" sz="5100" dirty="0">
                 <a:solidFill>
-                  <a:srgbClr val="0070C0"/>
+                  <a:schemeClr val="accent4"/>
                 </a:solidFill>
               </a:rPr>
-              <a:t>GCP- </a:t>
+              <a:t>GCP-</a:t>
             </a:r>
             <a:r>
-              <a:rPr lang="en-US" dirty="0">
+              <a:rPr lang="en-US" sz="5100" dirty="0">
                 <a:solidFill>
-                  <a:schemeClr val="tx1"/>
+                  <a:schemeClr val="bg1"/>
                 </a:solidFill>
               </a:rPr>
-              <a:t>Databricks</a:t>
+              <a:t> Databricks(</a:t>
             </a:r>
             <a:r>
-              <a:rPr lang="en-US" dirty="0">
+              <a:rPr lang="en-US" sz="5100" dirty="0">
                 <a:solidFill>
-                  <a:srgbClr val="0070C0"/>
+                  <a:schemeClr val="accent4"/>
                 </a:solidFill>
               </a:rPr>
-              <a:t>(GCP)</a:t>
+              <a:t>GCP</a:t>
             </a:r>
             <a:r>
-              <a:rPr lang="en-US" dirty="0"/>
-              <a:t> monthly</a:t>
+              <a:rPr lang="en-US" sz="5100" dirty="0">
+                <a:solidFill>
+                  <a:schemeClr val="bg1"/>
+                </a:solidFill>
+              </a:rPr>
+              <a:t>) monthly</a:t>
             </a:r>
-            <a:endParaRPr lang="en-NL" dirty="0"/>
+            <a:endParaRPr lang="en-NL" sz="5100" dirty="0">
+              <a:solidFill>
+                <a:schemeClr val="bg1"/>
+              </a:solidFill>
+            </a:endParaRPr>
           </a:p>
         </p:txBody>
       </p:sp>
@@ -7178,57 +7331,46 @@
             <p:ph idx="1"/>
           </p:nvPr>
         </p:nvSpPr>
-        <p:spPr/>
+        <p:spPr>
+          <a:xfrm>
+            <a:off x="758824" y="2607732"/>
+            <a:ext cx="8412480" cy="3174357"/>
+          </a:xfrm>
+        </p:spPr>
         <p:txBody>
-          <a:bodyPr/>
+          <a:bodyPr>
+            <a:normAutofit/>
+          </a:bodyPr>
           <a:lstStyle/>
           <a:p>
             <a:r>
-              <a:rPr lang="en-US" sz="1800" dirty="0">
+              <a:rPr lang="en-US" dirty="0">
                 <a:effectLst/>
                 <a:latin typeface="Calibri" panose="020F0502020204030204" pitchFamily="34" charset="0"/>
                 <a:ea typeface="Calibri" panose="020F0502020204030204" pitchFamily="34" charset="0"/>
                 <a:cs typeface="Times New Roman" panose="02020603050405020304" pitchFamily="18" charset="0"/>
               </a:rPr>
-              <a:t>$2620 - $</a:t>
+              <a:t>$2620 - $2376 = $244 (</a:t>
             </a:r>
             <a:r>
-              <a:rPr lang="en-US" sz="1800" dirty="0">
-                <a:solidFill>
-                  <a:srgbClr val="171717"/>
-                </a:solidFill>
+              <a:rPr lang="en-US" u="sng" dirty="0">
                 <a:effectLst/>
                 <a:latin typeface="Calibri" panose="020F0502020204030204" pitchFamily="34" charset="0"/>
                 <a:ea typeface="Calibri" panose="020F0502020204030204" pitchFamily="34" charset="0"/>
                 <a:cs typeface="Times New Roman" panose="02020603050405020304" pitchFamily="18" charset="0"/>
               </a:rPr>
-              <a:t>2376 = $244 (</a:t>
+              <a:t>9% of revenue</a:t>
             </a:r>
             <a:r>
-              <a:rPr lang="en-US" sz="1800" dirty="0">
-                <a:solidFill>
-                  <a:schemeClr val="accent4"/>
-                </a:solidFill>
+              <a:rPr lang="en-US" dirty="0">
                 <a:effectLst/>
                 <a:latin typeface="Calibri" panose="020F0502020204030204" pitchFamily="34" charset="0"/>
                 <a:ea typeface="Calibri" panose="020F0502020204030204" pitchFamily="34" charset="0"/>
                 <a:cs typeface="Times New Roman" panose="02020603050405020304" pitchFamily="18" charset="0"/>
               </a:rPr>
-              <a:t>9%</a:t>
+              <a:t>)</a:t>
             </a:r>
-            <a:r>
-              <a:rPr lang="en-US" sz="1800" dirty="0">
-                <a:solidFill>
-                  <a:srgbClr val="171717"/>
-                </a:solidFill>
-                <a:effectLst/>
-                <a:latin typeface="Calibri" panose="020F0502020204030204" pitchFamily="34" charset="0"/>
-                <a:ea typeface="Calibri" panose="020F0502020204030204" pitchFamily="34" charset="0"/>
-                <a:cs typeface="Times New Roman" panose="02020603050405020304" pitchFamily="18" charset="0"/>
-              </a:rPr>
-              <a:t> of revenue)</a:t>
-            </a:r>
-            <a:endParaRPr lang="en-NL" sz="1800" dirty="0">
+            <a:endParaRPr lang="en-NL" dirty="0">
               <a:effectLst/>
               <a:latin typeface="Calibri" panose="020F0502020204030204" pitchFamily="34" charset="0"/>
               <a:ea typeface="Calibri" panose="020F0502020204030204" pitchFamily="34" charset="0"/>
@@ -7237,6 +7379,230 @@
           </a:p>
           <a:p>
             <a:endParaRPr lang="en-NL" dirty="0"/>
+          </a:p>
+        </p:txBody>
+      </p:sp>
+      <p:sp>
+        <p:nvSpPr>
+          <p:cNvPr id="12" name="Freeform 6">
+            <a:extLst>
+              <a:ext uri="{FF2B5EF4-FFF2-40B4-BE49-F238E27FC236}">
+                <a16:creationId xmlns:a16="http://schemas.microsoft.com/office/drawing/2014/main" id="{A101E513-AF74-4E9D-A31F-99664250722D}"/>
+              </a:ext>
+              <a:ext uri="{C183D7F6-B498-43B3-948B-1728B52AA6E4}">
+                <adec:decorative xmlns:adec="http://schemas.microsoft.com/office/drawing/2017/decorative" val="1"/>
+              </a:ext>
+            </a:extLst>
+          </p:cNvPr>
+          <p:cNvSpPr>
+            <a:spLocks noGrp="1" noRot="1" noChangeAspect="1" noMove="1" noResize="1" noEditPoints="1" noAdjustHandles="1" noChangeArrowheads="1" noChangeShapeType="1" noTextEdit="1"/>
+          </p:cNvSpPr>
+          <p:nvPr>
+            <p:extLst>
+              <p:ext uri="{386F3935-93C4-4BCD-93E2-E3B085C9AB24}">
+                <p16:designElem xmlns:p16="http://schemas.microsoft.com/office/powerpoint/2015/main" val="1"/>
+              </p:ext>
+            </p:extLst>
+          </p:nvPr>
+        </p:nvSpPr>
+        <p:spPr bwMode="auto">
+          <a:xfrm>
+            <a:off x="11784011" y="5783564"/>
+            <a:ext cx="407988" cy="819150"/>
+          </a:xfrm>
+          <a:custGeom>
+            <a:avLst/>
+            <a:gdLst/>
+            <a:ahLst/>
+            <a:cxnLst/>
+            <a:rect l="0" t="0" r="r" b="b"/>
+            <a:pathLst>
+              <a:path w="1799" h="3612">
+                <a:moveTo>
+                  <a:pt x="1799" y="0"/>
+                </a:moveTo>
+                <a:lnTo>
+                  <a:pt x="1799" y="3612"/>
+                </a:lnTo>
+                <a:lnTo>
+                  <a:pt x="1686" y="3609"/>
+                </a:lnTo>
+                <a:lnTo>
+                  <a:pt x="1574" y="3598"/>
+                </a:lnTo>
+                <a:lnTo>
+                  <a:pt x="1464" y="3581"/>
+                </a:lnTo>
+                <a:lnTo>
+                  <a:pt x="1357" y="3557"/>
+                </a:lnTo>
+                <a:lnTo>
+                  <a:pt x="1251" y="3527"/>
+                </a:lnTo>
+                <a:lnTo>
+                  <a:pt x="1150" y="3490"/>
+                </a:lnTo>
+                <a:lnTo>
+                  <a:pt x="1050" y="3448"/>
+                </a:lnTo>
+                <a:lnTo>
+                  <a:pt x="953" y="3401"/>
+                </a:lnTo>
+                <a:lnTo>
+                  <a:pt x="860" y="3347"/>
+                </a:lnTo>
+                <a:lnTo>
+                  <a:pt x="771" y="3289"/>
+                </a:lnTo>
+                <a:lnTo>
+                  <a:pt x="686" y="3224"/>
+                </a:lnTo>
+                <a:lnTo>
+                  <a:pt x="604" y="3156"/>
+                </a:lnTo>
+                <a:lnTo>
+                  <a:pt x="527" y="3083"/>
+                </a:lnTo>
+                <a:lnTo>
+                  <a:pt x="454" y="3005"/>
+                </a:lnTo>
+                <a:lnTo>
+                  <a:pt x="386" y="2923"/>
+                </a:lnTo>
+                <a:lnTo>
+                  <a:pt x="323" y="2838"/>
+                </a:lnTo>
+                <a:lnTo>
+                  <a:pt x="265" y="2748"/>
+                </a:lnTo>
+                <a:lnTo>
+                  <a:pt x="211" y="2655"/>
+                </a:lnTo>
+                <a:lnTo>
+                  <a:pt x="163" y="2559"/>
+                </a:lnTo>
+                <a:lnTo>
+                  <a:pt x="121" y="2459"/>
+                </a:lnTo>
+                <a:lnTo>
+                  <a:pt x="85" y="2356"/>
+                </a:lnTo>
+                <a:lnTo>
+                  <a:pt x="55" y="2251"/>
+                </a:lnTo>
+                <a:lnTo>
+                  <a:pt x="32" y="2143"/>
+                </a:lnTo>
+                <a:lnTo>
+                  <a:pt x="14" y="2033"/>
+                </a:lnTo>
+                <a:lnTo>
+                  <a:pt x="4" y="1920"/>
+                </a:lnTo>
+                <a:lnTo>
+                  <a:pt x="0" y="1806"/>
+                </a:lnTo>
+                <a:lnTo>
+                  <a:pt x="4" y="1692"/>
+                </a:lnTo>
+                <a:lnTo>
+                  <a:pt x="14" y="1580"/>
+                </a:lnTo>
+                <a:lnTo>
+                  <a:pt x="32" y="1469"/>
+                </a:lnTo>
+                <a:lnTo>
+                  <a:pt x="55" y="1362"/>
+                </a:lnTo>
+                <a:lnTo>
+                  <a:pt x="85" y="1256"/>
+                </a:lnTo>
+                <a:lnTo>
+                  <a:pt x="121" y="1154"/>
+                </a:lnTo>
+                <a:lnTo>
+                  <a:pt x="163" y="1054"/>
+                </a:lnTo>
+                <a:lnTo>
+                  <a:pt x="211" y="958"/>
+                </a:lnTo>
+                <a:lnTo>
+                  <a:pt x="265" y="864"/>
+                </a:lnTo>
+                <a:lnTo>
+                  <a:pt x="323" y="774"/>
+                </a:lnTo>
+                <a:lnTo>
+                  <a:pt x="386" y="689"/>
+                </a:lnTo>
+                <a:lnTo>
+                  <a:pt x="454" y="607"/>
+                </a:lnTo>
+                <a:lnTo>
+                  <a:pt x="527" y="529"/>
+                </a:lnTo>
+                <a:lnTo>
+                  <a:pt x="604" y="456"/>
+                </a:lnTo>
+                <a:lnTo>
+                  <a:pt x="686" y="388"/>
+                </a:lnTo>
+                <a:lnTo>
+                  <a:pt x="771" y="325"/>
+                </a:lnTo>
+                <a:lnTo>
+                  <a:pt x="860" y="266"/>
+                </a:lnTo>
+                <a:lnTo>
+                  <a:pt x="953" y="212"/>
+                </a:lnTo>
+                <a:lnTo>
+                  <a:pt x="1050" y="164"/>
+                </a:lnTo>
+                <a:lnTo>
+                  <a:pt x="1150" y="122"/>
+                </a:lnTo>
+                <a:lnTo>
+                  <a:pt x="1251" y="85"/>
+                </a:lnTo>
+                <a:lnTo>
+                  <a:pt x="1357" y="55"/>
+                </a:lnTo>
+                <a:lnTo>
+                  <a:pt x="1464" y="32"/>
+                </a:lnTo>
+                <a:lnTo>
+                  <a:pt x="1574" y="14"/>
+                </a:lnTo>
+                <a:lnTo>
+                  <a:pt x="1686" y="5"/>
+                </a:lnTo>
+                <a:lnTo>
+                  <a:pt x="1799" y="0"/>
+                </a:lnTo>
+                <a:close/>
+              </a:path>
+            </a:pathLst>
+          </a:custGeom>
+          <a:solidFill>
+            <a:schemeClr val="tx1">
+              <a:lumMod val="85000"/>
+              <a:lumOff val="15000"/>
+            </a:schemeClr>
+          </a:solidFill>
+          <a:ln w="0">
+            <a:noFill/>
+            <a:prstDash val="solid"/>
+            <a:round/>
+            <a:headEnd/>
+            <a:tailEnd/>
+          </a:ln>
+        </p:spPr>
+        <p:txBody>
+          <a:bodyPr anchor="ctr"/>
+          <a:lstStyle/>
+          <a:p>
+            <a:endParaRPr lang="en-US"/>
           </a:p>
         </p:txBody>
       </p:sp>
@@ -10987,7 +11353,11 @@
           <a:lstStyle/>
           <a:p>
             <a:r>
-              <a:rPr lang="en-US" sz="7200"/>
+              <a:rPr lang="en-US" sz="7200" dirty="0">
+                <a:solidFill>
+                  <a:schemeClr val="accent4"/>
+                </a:solidFill>
+              </a:rPr>
               <a:t>Google cloud provider</a:t>
             </a:r>
           </a:p>
@@ -11428,7 +11798,7 @@
               <a:t>$2620 - $2167 = $453 (</a:t>
             </a:r>
             <a:r>
-              <a:rPr lang="en-US" sz="1800" dirty="0">
+              <a:rPr lang="en-US" sz="1800" u="sng" dirty="0">
                 <a:solidFill>
                   <a:schemeClr val="accent4"/>
                 </a:solidFill>
@@ -11440,13 +11810,22 @@
               <a:t>17%</a:t>
             </a:r>
             <a:r>
+              <a:rPr lang="en-US" sz="1800" u="sng" dirty="0">
+                <a:effectLst/>
+                <a:latin typeface="Calibri" panose="020F0502020204030204" pitchFamily="34" charset="0"/>
+                <a:ea typeface="Calibri" panose="020F0502020204030204" pitchFamily="34" charset="0"/>
+                <a:cs typeface="Times New Roman" panose="02020603050405020304" pitchFamily="18" charset="0"/>
+              </a:rPr>
+              <a:t> of revenue</a:t>
+            </a:r>
+            <a:r>
               <a:rPr lang="en-US" sz="1800" dirty="0">
                 <a:effectLst/>
                 <a:latin typeface="Calibri" panose="020F0502020204030204" pitchFamily="34" charset="0"/>
                 <a:ea typeface="Calibri" panose="020F0502020204030204" pitchFamily="34" charset="0"/>
                 <a:cs typeface="Times New Roman" panose="02020603050405020304" pitchFamily="18" charset="0"/>
               </a:rPr>
-              <a:t> of revenue)</a:t>
+              <a:t>)</a:t>
             </a:r>
             <a:endParaRPr lang="en-NL" sz="1800" dirty="0">
               <a:effectLst/>
